--- a/poster/725proj.pptx
+++ b/poster/725proj.pptx
@@ -13941,7 +13941,7 @@
         </p:nvSpPr>
         <p:spPr>
           <a:xfrm>
-            <a:off x="24955500" y="20775613"/>
+            <a:off x="25342056" y="17475345"/>
             <a:ext cx="10936287" cy="584200"/>
           </a:xfrm>
           <a:prstGeom prst="rect">
@@ -13977,7 +13977,7 @@
               <a:buNone/>
             </a:pPr>
             <a:r>
-              <a:rPr lang="en-US" sz="3200" b="1" i="1" u="none" strike="noStrike" cap="none" dirty="0">
+              <a:rPr lang="en-US" altLang="zh-CN" sz="3200" b="1" i="1" u="none" strike="noStrike" cap="none" dirty="0" smtClean="0">
                 <a:solidFill>
                   <a:srgbClr val="FFFFFF"/>
                 </a:solidFill>
@@ -13986,8 +13986,17 @@
                 <a:cs typeface="Arial"/>
                 <a:sym typeface="Arial"/>
               </a:rPr>
-              <a:t>Conclusion and Future Directions</a:t>
-            </a:r>
+              <a:t>Discussion</a:t>
+            </a:r>
+            <a:endParaRPr lang="en-US" sz="3200" b="1" i="1" u="none" strike="noStrike" cap="none" dirty="0">
+              <a:solidFill>
+                <a:srgbClr val="FFFFFF"/>
+              </a:solidFill>
+              <a:latin typeface="Arial"/>
+              <a:ea typeface="Arial"/>
+              <a:cs typeface="Arial"/>
+              <a:sym typeface="Arial"/>
+            </a:endParaRPr>
           </a:p>
         </p:txBody>
       </p:sp>
@@ -14554,8 +14563,8 @@
         </p:blipFill>
         <p:spPr>
           <a:xfrm>
-            <a:off x="32004000" y="381000"/>
-            <a:ext cx="3048000" cy="3178175"/>
+            <a:off x="1473466" y="317439"/>
+            <a:ext cx="3288505" cy="3197905"/>
           </a:xfrm>
           <a:prstGeom prst="rect">
             <a:avLst/>
@@ -16315,71 +16324,6 @@
       </p:sp>
       <p:sp>
         <p:nvSpPr>
-          <p:cNvPr id="163" name="Shape 163"/>
-          <p:cNvSpPr txBox="1"/>
-          <p:nvPr/>
-        </p:nvSpPr>
-        <p:spPr>
-          <a:xfrm>
-            <a:off x="24993600" y="21396325"/>
-            <a:ext cx="10820400" cy="1920874"/>
-          </a:xfrm>
-          <a:prstGeom prst="rect">
-            <a:avLst/>
-          </a:prstGeom>
-          <a:noFill/>
-          <a:ln>
-            <a:noFill/>
-          </a:ln>
-        </p:spPr>
-        <p:txBody>
-          <a:bodyPr wrap="square" lIns="91425" tIns="45700" rIns="91425" bIns="45700" anchor="t" anchorCtr="0">
-            <a:noAutofit/>
-          </a:bodyPr>
-          <a:lstStyle/>
-          <a:p>
-            <a:pPr marL="0" marR="0" lvl="0" indent="0" algn="just" rtl="0">
-              <a:lnSpc>
-                <a:spcPct val="100000"/>
-              </a:lnSpc>
-              <a:spcBef>
-                <a:spcPts val="0"/>
-              </a:spcBef>
-              <a:spcAft>
-                <a:spcPts val="0"/>
-              </a:spcAft>
-              <a:buClr>
-                <a:schemeClr val="dk1"/>
-              </a:buClr>
-              <a:buFont typeface="Arial"/>
-              <a:buNone/>
-            </a:pPr>
-            <a:r>
-              <a:rPr lang="en-US" altLang="zh-CN" sz="2800" b="1" i="0" u="none" dirty="0" smtClean="0">
-                <a:solidFill>
-                  <a:schemeClr val="dk1"/>
-                </a:solidFill>
-                <a:latin typeface="Arial"/>
-                <a:ea typeface="Arial"/>
-                <a:cs typeface="Arial"/>
-                <a:sym typeface="Arial"/>
-              </a:rPr>
-              <a:t>Fun</a:t>
-            </a:r>
-            <a:endParaRPr lang="en-US" sz="2800" b="1" i="0" u="none" dirty="0">
-              <a:solidFill>
-                <a:schemeClr val="dk1"/>
-              </a:solidFill>
-              <a:latin typeface="Arial"/>
-              <a:ea typeface="Arial"/>
-              <a:cs typeface="Arial"/>
-              <a:sym typeface="Arial"/>
-            </a:endParaRPr>
-          </a:p>
-        </p:txBody>
-      </p:sp>
-      <p:sp>
-        <p:nvSpPr>
           <p:cNvPr id="177" name="Shape 177"/>
           <p:cNvSpPr txBox="1"/>
           <p:nvPr/>
@@ -16445,33 +16389,6 @@
           </a:p>
         </p:txBody>
       </p:sp>
-      <p:pic>
-        <p:nvPicPr>
-          <p:cNvPr id="251" name="Shape 96"/>
-          <p:cNvPicPr preferRelativeResize="0"/>
-          <p:nvPr/>
-        </p:nvPicPr>
-        <p:blipFill rotWithShape="1">
-          <a:blip r:embed="rId3">
-            <a:alphaModFix/>
-          </a:blip>
-          <a:srcRect/>
-          <a:stretch/>
-        </p:blipFill>
-        <p:spPr>
-          <a:xfrm>
-            <a:off x="1578768" y="465404"/>
-            <a:ext cx="3048000" cy="3178175"/>
-          </a:xfrm>
-          <a:prstGeom prst="rect">
-            <a:avLst/>
-          </a:prstGeom>
-          <a:noFill/>
-          <a:ln>
-            <a:noFill/>
-          </a:ln>
-        </p:spPr>
-      </p:pic>
       <p:pic>
         <p:nvPicPr>
           <p:cNvPr id="2" name="Picture 1"/>
@@ -16651,7 +16568,7 @@
         </p:nvSpPr>
         <p:spPr>
           <a:xfrm>
-            <a:off x="25069800" y="23353711"/>
+            <a:off x="25302311" y="22414384"/>
             <a:ext cx="10936287" cy="584200"/>
           </a:xfrm>
           <a:prstGeom prst="rect">
@@ -16777,25 +16694,13 @@
                 <a:cs typeface="Times" charset="0"/>
                 <a:sym typeface="Arial"/>
               </a:rPr>
-              <a:t> large scale machine learning and optimization problems, such as efficient communication, flexible consistency models, scalability and fault tolerance. The framework is motivated by the observation that most problems have parameters in the form of vectors/matrices/tensors, and each worker node need access only part of the parameters. Shared parameters are stored in the server group, and the schedulers assigns tasks to each worker. Workers will do computation locally, mostly gradient-related calculations, and push the computation results to servers, and then pull the parameters from server to start the next iteration of computation. Server groups aggregate updates from workers and answer the pull requests from workers with the aggregated parameters</a:t>
-            </a:r>
-            <a:r>
-              <a:rPr lang="en-US" sz="2800" b="0" i="0" u="none" dirty="0" smtClean="0">
-                <a:solidFill>
-                  <a:schemeClr val="dk1"/>
-                </a:solidFill>
-                <a:latin typeface="Times" charset="0"/>
-                <a:ea typeface="Times" charset="0"/>
-                <a:cs typeface="Times" charset="0"/>
-                <a:sym typeface="Arial"/>
-              </a:rPr>
-              <a:t>. A sample usage of parameter server is listed as below.</a:t>
+              <a:t> large scale machine learning and optimization problems, such as efficient communication, flexible consistency models, scalability and fault tolerance. The framework is motivated by the observation that most problems have parameters in the form of vectors/matrices/tensors, and each worker node need access only part of the parameters. Shared parameters are stored in the server group, and the schedulers assigns tasks to each worker. Workers will do computation locally, mostly gradient-related calculations, and push the computation results to servers, and then pull the parameters from server to start the next iteration of computation. Server groups aggregate updates from workers and answer the pull requests from workers with the aggregated parameters. A sample usage of parameter server is listed as below.</a:t>
             </a:r>
           </a:p>
         </p:txBody>
       </p:sp>
-      <mc:AlternateContent xmlns:mc="http://schemas.openxmlformats.org/markup-compatibility/2006">
-        <mc:Choice xmlns:a14="http://schemas.microsoft.com/office/drawing/2010/main" Requires="a14">
+      <mc:AlternateContent xmlns:mc="http://schemas.openxmlformats.org/markup-compatibility/2006" xmlns:a14="http://schemas.microsoft.com/office/drawing/2010/main">
+        <mc:Choice Requires="a14">
           <p:sp>
             <p:nvSpPr>
               <p:cNvPr id="17" name="Shape 97"/>
@@ -16850,7 +16755,7 @@
                   <m:oMath xmlns:m="http://schemas.openxmlformats.org/officeDocument/2006/math">
                     <m:r>
                       <a:rPr lang="en-US" sz="2800" b="1" i="1" smtClean="0">
-                        <a:latin typeface="Times" charset="0"/>
+                        <a:latin typeface="Cambria Math" charset="0"/>
                         <a:ea typeface="Times" charset="0"/>
                         <a:cs typeface="Times" charset="0"/>
                       </a:rPr>
@@ -16886,7 +16791,7 @@
                   <m:oMath xmlns:m="http://schemas.openxmlformats.org/officeDocument/2006/math">
                     <m:r>
                       <a:rPr lang="en-US" sz="2800" b="1" i="1" smtClean="0">
-                        <a:latin typeface="Times" charset="0"/>
+                        <a:latin typeface="Cambria Math" charset="0"/>
                         <a:ea typeface="Times" charset="0"/>
                         <a:cs typeface="Times" charset="0"/>
                       </a:rPr>
@@ -16921,7 +16826,7 @@
                   <m:oMath xmlns:m="http://schemas.openxmlformats.org/officeDocument/2006/math">
                     <m:r>
                       <a:rPr lang="en-US" sz="2800" b="0" i="1" smtClean="0">
-                        <a:latin typeface="Times" charset="0"/>
+                        <a:latin typeface="Cambria Math" charset="0"/>
                         <a:ea typeface="Times" charset="0"/>
                         <a:cs typeface="Times" charset="0"/>
                       </a:rPr>
@@ -16929,7 +16834,7 @@
                     </m:r>
                     <m:r>
                       <a:rPr lang="en-US" sz="2800" b="0" i="1" smtClean="0">
-                        <a:latin typeface="Times" charset="0"/>
+                        <a:latin typeface="Cambria Math" charset="0"/>
                         <a:ea typeface="Times" charset="0"/>
                         <a:cs typeface="Times" charset="0"/>
                       </a:rPr>
@@ -16937,7 +16842,7 @@
                     </m:r>
                     <m:r>
                       <a:rPr lang="en-US" sz="2800" b="0" i="1" smtClean="0">
-                        <a:latin typeface="Times" charset="0"/>
+                        <a:latin typeface="Cambria Math" charset="0"/>
                         <a:ea typeface="Times" charset="0"/>
                         <a:cs typeface="Times" charset="0"/>
                       </a:rPr>
@@ -16974,7 +16879,7 @@
                       <m:sSubSupPr>
                         <m:ctrlPr>
                           <a:rPr lang="en-US" sz="2800" b="0" i="1" smtClean="0">
-                            <a:latin typeface="Times" charset="0"/>
+                            <a:latin typeface="Cambria Math" charset="0"/>
                             <a:ea typeface="Times" charset="0"/>
                             <a:cs typeface="Times" charset="0"/>
                           </a:rPr>
@@ -16983,7 +16888,7 @@
                       <m:e>
                         <m:r>
                           <a:rPr lang="en-US" sz="2800" b="0" i="1" smtClean="0">
-                            <a:latin typeface="Times" charset="0"/>
+                            <a:latin typeface="Cambria Math" charset="0"/>
                             <a:ea typeface="Times" charset="0"/>
                             <a:cs typeface="Times" charset="0"/>
                           </a:rPr>
@@ -16993,7 +16898,7 @@
                       <m:sub>
                         <m:r>
                           <a:rPr lang="en-US" sz="2800" b="0" i="1" smtClean="0">
-                            <a:latin typeface="Times" charset="0"/>
+                            <a:latin typeface="Cambria Math" charset="0"/>
                             <a:ea typeface="Times" charset="0"/>
                             <a:cs typeface="Times" charset="0"/>
                           </a:rPr>
@@ -17003,7 +16908,7 @@
                       <m:sup>
                         <m:r>
                           <a:rPr lang="en-US" sz="2800" b="0" i="1" smtClean="0">
-                            <a:latin typeface="Times" charset="0"/>
+                            <a:latin typeface="Cambria Math" charset="0"/>
                             <a:ea typeface="Times" charset="0"/>
                             <a:cs typeface="Times" charset="0"/>
                           </a:rPr>
@@ -17011,7 +16916,7 @@
                         </m:r>
                         <m:r>
                           <a:rPr lang="en-US" sz="2800" b="0" i="1" smtClean="0">
-                            <a:latin typeface="Times" charset="0"/>
+                            <a:latin typeface="Cambria Math" charset="0"/>
                             <a:ea typeface="Times" charset="0"/>
                             <a:cs typeface="Times" charset="0"/>
                           </a:rPr>
@@ -17019,7 +16924,7 @@
                         </m:r>
                         <m:r>
                           <a:rPr lang="en-US" sz="2800" b="0" i="1" smtClean="0">
-                            <a:latin typeface="Times" charset="0"/>
+                            <a:latin typeface="Cambria Math" charset="0"/>
                             <a:ea typeface="Times" charset="0"/>
                             <a:cs typeface="Times" charset="0"/>
                           </a:rPr>
@@ -17053,7 +16958,7 @@
                       <m:sSubSupPr>
                         <m:ctrlPr>
                           <a:rPr lang="en-US" sz="2800" i="1">
-                            <a:latin typeface="Times" charset="0"/>
+                            <a:latin typeface="Cambria Math" charset="0"/>
                             <a:ea typeface="Times" charset="0"/>
                             <a:cs typeface="Times" charset="0"/>
                           </a:rPr>
@@ -17062,7 +16967,7 @@
                       <m:e>
                         <m:r>
                           <a:rPr lang="en-US" sz="2800" i="1">
-                            <a:latin typeface="Times" charset="0"/>
+                            <a:latin typeface="Cambria Math" charset="0"/>
                             <a:ea typeface="Times" charset="0"/>
                             <a:cs typeface="Times" charset="0"/>
                           </a:rPr>
@@ -17072,7 +16977,7 @@
                       <m:sub>
                         <m:r>
                           <a:rPr lang="en-US" sz="2800" i="1">
-                            <a:latin typeface="Times" charset="0"/>
+                            <a:latin typeface="Cambria Math" charset="0"/>
                             <a:ea typeface="Times" charset="0"/>
                             <a:cs typeface="Times" charset="0"/>
                           </a:rPr>
@@ -17082,7 +16987,7 @@
                       <m:sup>
                         <m:r>
                           <a:rPr lang="en-US" sz="2800" i="1">
-                            <a:latin typeface="Times" charset="0"/>
+                            <a:latin typeface="Cambria Math" charset="0"/>
                             <a:ea typeface="Times" charset="0"/>
                             <a:cs typeface="Times" charset="0"/>
                           </a:rPr>
@@ -17090,7 +16995,7 @@
                         </m:r>
                         <m:r>
                           <a:rPr lang="en-US" sz="2800" i="1">
-                            <a:latin typeface="Times" charset="0"/>
+                            <a:latin typeface="Cambria Math" charset="0"/>
                             <a:ea typeface="Times" charset="0"/>
                             <a:cs typeface="Times" charset="0"/>
                           </a:rPr>
@@ -17098,7 +17003,7 @@
                         </m:r>
                         <m:r>
                           <a:rPr lang="en-US" sz="2800" i="1">
-                            <a:latin typeface="Times" charset="0"/>
+                            <a:latin typeface="Cambria Math" charset="0"/>
                             <a:ea typeface="Times" charset="0"/>
                             <a:cs typeface="Times" charset="0"/>
                           </a:rPr>
@@ -17108,7 +17013,7 @@
                     </m:sSubSup>
                     <m:r>
                       <a:rPr lang="en-US" sz="2800" i="1">
-                        <a:latin typeface="Times" charset="0"/>
+                        <a:latin typeface="Cambria Math" charset="0"/>
                         <a:ea typeface="Times" charset="0"/>
                         <a:cs typeface="Times" charset="0"/>
                       </a:rPr>
@@ -17156,7 +17061,7 @@
                       <m:sSubSupPr>
                         <m:ctrlPr>
                           <a:rPr lang="en-US" sz="2800" b="0" i="1" smtClean="0">
-                            <a:latin typeface="Times" charset="0"/>
+                            <a:latin typeface="Cambria Math" charset="0"/>
                             <a:ea typeface="Times" charset="0"/>
                             <a:cs typeface="Times" charset="0"/>
                           </a:rPr>
@@ -17165,7 +17070,7 @@
                       <m:e>
                         <m:r>
                           <a:rPr lang="en-US" sz="2800" b="0" i="1" smtClean="0">
-                            <a:latin typeface="Times" charset="0"/>
+                            <a:latin typeface="Cambria Math" charset="0"/>
                             <a:ea typeface="Times" charset="0"/>
                             <a:cs typeface="Times" charset="0"/>
                           </a:rPr>
@@ -17175,7 +17080,7 @@
                       <m:sub>
                         <m:r>
                           <a:rPr lang="en-US" sz="2800" b="0" i="1" smtClean="0">
-                            <a:latin typeface="Times" charset="0"/>
+                            <a:latin typeface="Cambria Math" charset="0"/>
                             <a:ea typeface="Times" charset="0"/>
                             <a:cs typeface="Times" charset="0"/>
                           </a:rPr>
@@ -17185,7 +17090,7 @@
                       <m:sup>
                         <m:r>
                           <a:rPr lang="en-US" sz="2800" b="0" i="1" smtClean="0">
-                            <a:latin typeface="Times" charset="0"/>
+                            <a:latin typeface="Cambria Math" charset="0"/>
                             <a:ea typeface="Times" charset="0"/>
                             <a:cs typeface="Times" charset="0"/>
                           </a:rPr>
@@ -17193,7 +17098,7 @@
                         </m:r>
                         <m:r>
                           <a:rPr lang="en-US" sz="2800" b="0" i="1" smtClean="0">
-                            <a:latin typeface="Times" charset="0"/>
+                            <a:latin typeface="Cambria Math" charset="0"/>
                             <a:ea typeface="Times" charset="0"/>
                             <a:cs typeface="Times" charset="0"/>
                           </a:rPr>
@@ -17201,7 +17106,7 @@
                         </m:r>
                         <m:r>
                           <a:rPr lang="en-US" sz="2800" b="0" i="1" smtClean="0">
-                            <a:latin typeface="Times" charset="0"/>
+                            <a:latin typeface="Cambria Math" charset="0"/>
                             <a:ea typeface="Times" charset="0"/>
                             <a:cs typeface="Times" charset="0"/>
                           </a:rPr>
@@ -17414,7 +17319,7 @@
                         <m:limLow>
                           <m:limLowPr>
                             <m:ctrlPr>
-                              <a:rPr lang="en-US" sz="2800" b="0" i="0" smtClean="0">
+                              <a:rPr lang="en-US" sz="2800" b="0" i="1" smtClean="0">
                                 <a:latin typeface="Cambria Math" charset="0"/>
                                 <a:ea typeface="Cambria Math" charset="0"/>
                                 <a:cs typeface="Cambria Math" charset="0"/>
@@ -17431,18 +17336,7 @@
                                 <a:ea typeface="Cambria Math" charset="0"/>
                                 <a:cs typeface="Cambria Math" charset="0"/>
                               </a:rPr>
-                              <m:t>arg</m:t>
-                            </m:r>
-                            <m:r>
-                              <m:rPr>
-                                <m:sty m:val="p"/>
-                              </m:rPr>
-                              <a:rPr lang="en-US" sz="2800" b="0" i="0" smtClean="0">
-                                <a:latin typeface="Cambria Math" charset="0"/>
-                                <a:ea typeface="Cambria Math" charset="0"/>
-                                <a:cs typeface="Cambria Math" charset="0"/>
-                              </a:rPr>
-                              <m:t>min</m:t>
+                              <m:t>argmin</m:t>
                             </m:r>
                           </m:e>
                           <m:lim>
@@ -17802,7 +17696,7 @@
             </p:txBody>
           </p:sp>
         </mc:Choice>
-        <mc:Fallback>
+        <mc:Fallback xmlns="">
           <p:sp>
             <p:nvSpPr>
               <p:cNvPr id="17" name="Shape 97"/>
@@ -17844,8 +17738,8 @@
           </p:sp>
         </mc:Fallback>
       </mc:AlternateContent>
-      <mc:AlternateContent xmlns:mc="http://schemas.openxmlformats.org/markup-compatibility/2006">
-        <mc:Choice xmlns:a14="http://schemas.microsoft.com/office/drawing/2010/main" Requires="a14">
+      <mc:AlternateContent xmlns:mc="http://schemas.openxmlformats.org/markup-compatibility/2006" xmlns:a14="http://schemas.microsoft.com/office/drawing/2010/main">
+        <mc:Choice Requires="a14">
           <p:sp>
             <p:nvSpPr>
               <p:cNvPr id="19" name="Shape 97"/>
@@ -17922,7 +17816,7 @@
                       <m:sSubPr>
                         <m:ctrlPr>
                           <a:rPr lang="en-US" sz="2800" b="0" i="1" smtClean="0">
-                            <a:latin typeface="Times" charset="0"/>
+                            <a:latin typeface="Cambria Math" charset="0"/>
                             <a:ea typeface="Times" charset="0"/>
                             <a:cs typeface="Times" charset="0"/>
                           </a:rPr>
@@ -17931,7 +17825,7 @@
                       <m:e>
                         <m:r>
                           <a:rPr lang="en-US" sz="2800" i="1" smtClean="0">
-                            <a:latin typeface="Times" charset="0"/>
+                            <a:latin typeface="Cambria Math" charset="0"/>
                             <a:ea typeface="Times" charset="0"/>
                             <a:cs typeface="Times" charset="0"/>
                           </a:rPr>
@@ -17941,7 +17835,7 @@
                       <m:sub>
                         <m:r>
                           <a:rPr lang="en-US" sz="2800" b="0" i="1" smtClean="0">
-                            <a:latin typeface="Times" charset="0"/>
+                            <a:latin typeface="Cambria Math" charset="0"/>
                             <a:ea typeface="Times" charset="0"/>
                             <a:cs typeface="Times" charset="0"/>
                           </a:rPr>
@@ -17973,7 +17867,7 @@
                       <m:sSubPr>
                         <m:ctrlPr>
                           <a:rPr lang="en-US" sz="2800" b="0" i="1" smtClean="0">
-                            <a:latin typeface="Times" charset="0"/>
+                            <a:latin typeface="Cambria Math" charset="0"/>
                             <a:ea typeface="Times" charset="0"/>
                             <a:cs typeface="Times" charset="0"/>
                           </a:rPr>
@@ -17982,7 +17876,7 @@
                       <m:e>
                         <m:r>
                           <a:rPr lang="en-US" sz="2800" i="1" smtClean="0">
-                            <a:latin typeface="Times" charset="0"/>
+                            <a:latin typeface="Cambria Math" charset="0"/>
                             <a:ea typeface="Times" charset="0"/>
                             <a:cs typeface="Times" charset="0"/>
                           </a:rPr>
@@ -17992,7 +17886,7 @@
                       <m:sub>
                         <m:r>
                           <a:rPr lang="en-US" sz="2800" b="0" i="1" smtClean="0">
-                            <a:latin typeface="Times" charset="0"/>
+                            <a:latin typeface="Cambria Math" charset="0"/>
                             <a:ea typeface="Times" charset="0"/>
                             <a:cs typeface="Times" charset="0"/>
                           </a:rPr>
@@ -18002,7 +17896,7 @@
                     </m:sSub>
                     <m:r>
                       <a:rPr lang="en-US" sz="2800" b="0" i="1" smtClean="0">
-                        <a:latin typeface="Times" charset="0"/>
+                        <a:latin typeface="Cambria Math" charset="0"/>
                         <a:ea typeface="Times" charset="0"/>
                         <a:cs typeface="Times" charset="0"/>
                       </a:rPr>
@@ -18012,7 +17906,7 @@
                       <m:fPr>
                         <m:ctrlPr>
                           <a:rPr lang="mr-IN" sz="2800" b="0" i="1" smtClean="0">
-                            <a:latin typeface="Times" charset="0"/>
+                            <a:latin typeface="Cambria Math" charset="0"/>
                             <a:ea typeface="Times" charset="0"/>
                             <a:cs typeface="Times" charset="0"/>
                           </a:rPr>
@@ -18023,7 +17917,7 @@
                           <m:sSubPr>
                             <m:ctrlPr>
                               <a:rPr lang="en-US" sz="2800" b="0" i="1" smtClean="0">
-                                <a:latin typeface="Times" charset="0"/>
+                                <a:latin typeface="Cambria Math" charset="0"/>
                                 <a:ea typeface="Times" charset="0"/>
                                 <a:cs typeface="Times" charset="0"/>
                               </a:rPr>
@@ -18032,7 +17926,7 @@
                           <m:e>
                             <m:r>
                               <a:rPr lang="en-US" sz="2800" b="0" i="1" smtClean="0">
-                                <a:latin typeface="Times" charset="0"/>
+                                <a:latin typeface="Cambria Math" charset="0"/>
                                 <a:ea typeface="Times" charset="0"/>
                                 <a:cs typeface="Times" charset="0"/>
                               </a:rPr>
@@ -18042,7 +17936,7 @@
                           <m:sub>
                             <m:r>
                               <a:rPr lang="en-US" sz="2800" b="0" i="1" smtClean="0">
-                                <a:latin typeface="Times" charset="0"/>
+                                <a:latin typeface="Cambria Math" charset="0"/>
                                 <a:ea typeface="Times" charset="0"/>
                                 <a:cs typeface="Times" charset="0"/>
                               </a:rPr>
@@ -18056,7 +17950,7 @@
                           <m:sSubPr>
                             <m:ctrlPr>
                               <a:rPr lang="en-US" sz="2800" b="0" i="1" smtClean="0">
-                                <a:latin typeface="Times" charset="0"/>
+                                <a:latin typeface="Cambria Math" charset="0"/>
                                 <a:ea typeface="Times" charset="0"/>
                                 <a:cs typeface="Times" charset="0"/>
                               </a:rPr>
@@ -18065,7 +17959,7 @@
                           <m:e>
                             <m:r>
                               <a:rPr lang="en-US" sz="2800" b="0" i="1" smtClean="0">
-                                <a:latin typeface="Times" charset="0"/>
+                                <a:latin typeface="Cambria Math" charset="0"/>
                                 <a:ea typeface="Times" charset="0"/>
                                 <a:cs typeface="Times" charset="0"/>
                               </a:rPr>
@@ -18075,7 +17969,7 @@
                           <m:sub>
                             <m:r>
                               <a:rPr lang="en-US" sz="2800" b="0" i="1" smtClean="0">
-                                <a:latin typeface="Times" charset="0"/>
+                                <a:latin typeface="Cambria Math" charset="0"/>
                                 <a:ea typeface="Times" charset="0"/>
                                 <a:cs typeface="Times" charset="0"/>
                               </a:rPr>
@@ -18085,7 +17979,7 @@
                         </m:sSub>
                         <m:r>
                           <a:rPr lang="en-US" sz="2800" b="0" i="1" smtClean="0">
-                            <a:latin typeface="Times" charset="0"/>
+                            <a:latin typeface="Cambria Math" charset="0"/>
                             <a:ea typeface="Times" charset="0"/>
                             <a:cs typeface="Times" charset="0"/>
                           </a:rPr>
@@ -18093,7 +17987,7 @@
                         </m:r>
                         <m:r>
                           <a:rPr lang="en-US" sz="2800" b="0" i="1" smtClean="0">
-                            <a:latin typeface="Times" charset="0"/>
+                            <a:latin typeface="Cambria Math" charset="0"/>
                             <a:ea typeface="Times" charset="0"/>
                             <a:cs typeface="Times" charset="0"/>
                           </a:rPr>
@@ -18103,7 +17997,7 @@
                           <m:sSubPr>
                             <m:ctrlPr>
                               <a:rPr lang="en-US" sz="2800" b="0" i="1" smtClean="0">
-                                <a:latin typeface="Times" charset="0"/>
+                                <a:latin typeface="Cambria Math" charset="0"/>
                                 <a:ea typeface="Times" charset="0"/>
                                 <a:cs typeface="Times" charset="0"/>
                               </a:rPr>
@@ -18112,7 +18006,7 @@
                           <m:e>
                             <m:r>
                               <a:rPr lang="en-US" sz="2800" b="0" i="1" smtClean="0">
-                                <a:latin typeface="Times" charset="0"/>
+                                <a:latin typeface="Cambria Math" charset="0"/>
                                 <a:ea typeface="Times" charset="0"/>
                                 <a:cs typeface="Times" charset="0"/>
                               </a:rPr>
@@ -18122,7 +18016,7 @@
                           <m:sub>
                             <m:r>
                               <a:rPr lang="en-US" sz="2800" b="0" i="1" smtClean="0">
-                                <a:latin typeface="Times" charset="0"/>
+                                <a:latin typeface="Cambria Math" charset="0"/>
                                 <a:ea typeface="Times" charset="0"/>
                                 <a:cs typeface="Times" charset="0"/>
                               </a:rPr>
@@ -18132,7 +18026,7 @@
                         </m:sSub>
                         <m:r>
                           <a:rPr lang="en-US" sz="2800" b="0" i="1" smtClean="0">
-                            <a:latin typeface="Times" charset="0"/>
+                            <a:latin typeface="Cambria Math" charset="0"/>
                             <a:ea typeface="Times" charset="0"/>
                             <a:cs typeface="Times" charset="0"/>
                           </a:rPr>
@@ -18140,7 +18034,7 @@
                         </m:r>
                         <m:r>
                           <a:rPr lang="en-US" sz="2800" b="0" i="1" smtClean="0">
-                            <a:latin typeface="Times" charset="0"/>
+                            <a:latin typeface="Cambria Math" charset="0"/>
                             <a:ea typeface="Times" charset="0"/>
                             <a:cs typeface="Times" charset="0"/>
                           </a:rPr>
@@ -18397,7 +18291,7 @@
             </p:txBody>
           </p:sp>
         </mc:Choice>
-        <mc:Fallback>
+        <mc:Fallback xmlns="">
           <p:sp>
             <p:nvSpPr>
               <p:cNvPr id="19" name="Shape 97"/>
@@ -18773,7 +18667,7 @@
       </p:sp>
       <p:pic>
         <p:nvPicPr>
-          <p:cNvPr id="3" name="Picture 2"/>
+          <p:cNvPr id="12" name="Picture 11"/>
           <p:cNvPicPr>
             <a:picLocks noChangeAspect="1"/>
           </p:cNvPicPr>
@@ -18793,8 +18687,8 @@
         </p:blipFill>
         <p:spPr>
           <a:xfrm>
-            <a:off x="24090089" y="7016748"/>
-            <a:ext cx="5854700" cy="4394200"/>
+            <a:off x="12598877" y="22706484"/>
+            <a:ext cx="5852160" cy="4389120"/>
           </a:xfrm>
           <a:prstGeom prst="rect">
             <a:avLst/>
@@ -18803,7 +18697,7 @@
       </p:pic>
       <p:pic>
         <p:nvPicPr>
-          <p:cNvPr id="4" name="Picture 3"/>
+          <p:cNvPr id="13" name="Picture 12"/>
           <p:cNvPicPr>
             <a:picLocks noChangeAspect="1"/>
           </p:cNvPicPr>
@@ -18823,8 +18717,8 @@
         </p:blipFill>
         <p:spPr>
           <a:xfrm>
-            <a:off x="30151387" y="7274605"/>
-            <a:ext cx="5854700" cy="4394200"/>
+            <a:off x="18480085" y="18317364"/>
+            <a:ext cx="5852160" cy="4389120"/>
           </a:xfrm>
           <a:prstGeom prst="rect">
             <a:avLst/>
@@ -18833,7 +18727,7 @@
       </p:pic>
       <p:pic>
         <p:nvPicPr>
-          <p:cNvPr id="5" name="Picture 4"/>
+          <p:cNvPr id="14" name="Picture 13"/>
           <p:cNvPicPr>
             <a:picLocks noChangeAspect="1"/>
           </p:cNvPicPr>
@@ -18853,8 +18747,8 @@
         </p:blipFill>
         <p:spPr>
           <a:xfrm>
-            <a:off x="24043877" y="11429204"/>
-            <a:ext cx="5854700" cy="4394200"/>
+            <a:off x="12598877" y="18317364"/>
+            <a:ext cx="5852160" cy="4389120"/>
           </a:xfrm>
           <a:prstGeom prst="rect">
             <a:avLst/>
@@ -18863,7 +18757,7 @@
       </p:pic>
       <p:pic>
         <p:nvPicPr>
-          <p:cNvPr id="6" name="Picture 5"/>
+          <p:cNvPr id="15" name="Picture 14"/>
           <p:cNvPicPr>
             <a:picLocks noChangeAspect="1"/>
           </p:cNvPicPr>
@@ -18883,8 +18777,8 @@
         </p:blipFill>
         <p:spPr>
           <a:xfrm>
-            <a:off x="29959300" y="11753056"/>
-            <a:ext cx="5854700" cy="4394200"/>
+            <a:off x="18451037" y="22651353"/>
+            <a:ext cx="5852160" cy="4389120"/>
           </a:xfrm>
           <a:prstGeom prst="rect">
             <a:avLst/>
@@ -18893,7 +18787,7 @@
       </p:pic>
       <p:pic>
         <p:nvPicPr>
-          <p:cNvPr id="7" name="Picture 6"/>
+          <p:cNvPr id="9" name="Picture 8"/>
           <p:cNvPicPr>
             <a:picLocks noChangeAspect="1"/>
           </p:cNvPicPr>
@@ -18913,7 +18807,7 @@
         </p:blipFill>
         <p:spPr>
           <a:xfrm>
-            <a:off x="24061735" y="16344901"/>
+            <a:off x="30383898" y="3827831"/>
             <a:ext cx="5854700" cy="4394200"/>
           </a:xfrm>
           <a:prstGeom prst="rect">
@@ -18923,7 +18817,7 @@
       </p:pic>
       <p:pic>
         <p:nvPicPr>
-          <p:cNvPr id="8" name="Picture 7"/>
+          <p:cNvPr id="10" name="Picture 9"/>
           <p:cNvPicPr>
             <a:picLocks noChangeAspect="1"/>
           </p:cNvPicPr>
@@ -18943,7 +18837,7 @@
         </p:blipFill>
         <p:spPr>
           <a:xfrm>
-            <a:off x="30014372" y="16344901"/>
+            <a:off x="24840688" y="8118149"/>
             <a:ext cx="5854700" cy="4394200"/>
           </a:xfrm>
           <a:prstGeom prst="rect">
@@ -18953,7 +18847,7 @@
       </p:pic>
       <p:pic>
         <p:nvPicPr>
-          <p:cNvPr id="12" name="Picture 11"/>
+          <p:cNvPr id="11" name="Picture 10"/>
           <p:cNvPicPr>
             <a:picLocks noChangeAspect="1"/>
           </p:cNvPicPr>
@@ -18973,8 +18867,8 @@
         </p:blipFill>
         <p:spPr>
           <a:xfrm>
-            <a:off x="12702495" y="22812678"/>
-            <a:ext cx="5852160" cy="4389120"/>
+            <a:off x="24840688" y="3827831"/>
+            <a:ext cx="5854700" cy="4394200"/>
           </a:xfrm>
           <a:prstGeom prst="rect">
             <a:avLst/>
@@ -18983,7 +18877,7 @@
       </p:pic>
       <p:pic>
         <p:nvPicPr>
-          <p:cNvPr id="13" name="Picture 12"/>
+          <p:cNvPr id="18" name="Picture 17"/>
           <p:cNvPicPr>
             <a:picLocks noChangeAspect="1"/>
           </p:cNvPicPr>
@@ -19003,8 +18897,8 @@
         </p:blipFill>
         <p:spPr>
           <a:xfrm>
-            <a:off x="18324515" y="18378858"/>
-            <a:ext cx="5852160" cy="4389120"/>
+            <a:off x="30423643" y="8126739"/>
+            <a:ext cx="5854700" cy="4394200"/>
           </a:xfrm>
           <a:prstGeom prst="rect">
             <a:avLst/>
@@ -19013,7 +18907,7 @@
       </p:pic>
       <p:pic>
         <p:nvPicPr>
-          <p:cNvPr id="14" name="Picture 13"/>
+          <p:cNvPr id="20" name="Picture 19"/>
           <p:cNvPicPr>
             <a:picLocks noChangeAspect="1"/>
           </p:cNvPicPr>
@@ -19033,8 +18927,8 @@
         </p:blipFill>
         <p:spPr>
           <a:xfrm>
-            <a:off x="12627925" y="18335385"/>
-            <a:ext cx="5852160" cy="4389120"/>
+            <a:off x="24840688" y="12529529"/>
+            <a:ext cx="5854700" cy="4394200"/>
           </a:xfrm>
           <a:prstGeom prst="rect">
             <a:avLst/>
@@ -19043,7 +18937,7 @@
       </p:pic>
       <p:pic>
         <p:nvPicPr>
-          <p:cNvPr id="15" name="Picture 14"/>
+          <p:cNvPr id="23" name="Picture 22"/>
           <p:cNvPicPr>
             <a:picLocks noChangeAspect="1"/>
           </p:cNvPicPr>
@@ -19063,14 +18957,1765 @@
         </p:blipFill>
         <p:spPr>
           <a:xfrm>
-            <a:off x="18324515" y="22759581"/>
-            <a:ext cx="5852160" cy="4389120"/>
+            <a:off x="30423643" y="12532689"/>
+            <a:ext cx="5854700" cy="4394200"/>
           </a:xfrm>
           <a:prstGeom prst="rect">
             <a:avLst/>
           </a:prstGeom>
         </p:spPr>
       </p:pic>
+      <p:pic>
+        <p:nvPicPr>
+          <p:cNvPr id="24" name="Picture 23"/>
+          <p:cNvPicPr>
+            <a:picLocks noChangeAspect="1"/>
+          </p:cNvPicPr>
+          <p:nvPr/>
+        </p:nvPicPr>
+        <p:blipFill>
+          <a:blip r:embed="rId17">
+            <a:extLst>
+              <a:ext uri="{28A0092B-C50C-407E-A947-70E740481C1C}">
+                <a14:useLocalDpi xmlns:a14="http://schemas.microsoft.com/office/drawing/2010/main" val="0"/>
+              </a:ext>
+            </a:extLst>
+          </a:blip>
+          <a:stretch>
+            <a:fillRect/>
+          </a:stretch>
+        </p:blipFill>
+        <p:spPr>
+          <a:xfrm>
+            <a:off x="31763495" y="317439"/>
+            <a:ext cx="3522662" cy="3498282"/>
+          </a:xfrm>
+          <a:prstGeom prst="rect">
+            <a:avLst/>
+          </a:prstGeom>
+        </p:spPr>
+      </p:pic>
+      <p:sp>
+        <p:nvSpPr>
+          <p:cNvPr id="38" name="Shape 97"/>
+          <p:cNvSpPr txBox="1"/>
+          <p:nvPr/>
+        </p:nvSpPr>
+        <p:spPr>
+          <a:xfrm>
+            <a:off x="25305543" y="18356102"/>
+            <a:ext cx="10972800" cy="3565236"/>
+          </a:xfrm>
+          <a:prstGeom prst="rect">
+            <a:avLst/>
+          </a:prstGeom>
+          <a:noFill/>
+          <a:ln>
+            <a:noFill/>
+          </a:ln>
+        </p:spPr>
+        <p:txBody>
+          <a:bodyPr wrap="square" lIns="91425" tIns="45700" rIns="91425" bIns="45700" anchor="t" anchorCtr="0">
+            <a:noAutofit/>
+          </a:bodyPr>
+          <a:lstStyle/>
+          <a:p>
+            <a:pPr marL="0" marR="0" lvl="0" indent="0" algn="just" rtl="0">
+              <a:lnSpc>
+                <a:spcPct val="100000"/>
+              </a:lnSpc>
+              <a:spcBef>
+                <a:spcPts val="0"/>
+              </a:spcBef>
+              <a:spcAft>
+                <a:spcPts val="0"/>
+              </a:spcAft>
+              <a:buClr>
+                <a:schemeClr val="dk1"/>
+              </a:buClr>
+              <a:buFont typeface="Arial"/>
+              <a:buNone/>
+            </a:pPr>
+            <a:r>
+              <a:rPr lang="en-US" altLang="zh-CN" sz="2800" b="0" i="0" u="none" dirty="0" smtClean="0">
+                <a:solidFill>
+                  <a:schemeClr val="dk1"/>
+                </a:solidFill>
+                <a:latin typeface="Times" charset="0"/>
+                <a:ea typeface="Times" charset="0"/>
+                <a:cs typeface="Times" charset="0"/>
+                <a:sym typeface="Arial"/>
+              </a:rPr>
+              <a:t>From</a:t>
+            </a:r>
+            <a:r>
+              <a:rPr lang="zh-CN" altLang="en-US" sz="2800" b="0" i="0" u="none" dirty="0" smtClean="0">
+                <a:solidFill>
+                  <a:schemeClr val="dk1"/>
+                </a:solidFill>
+                <a:latin typeface="Times" charset="0"/>
+                <a:ea typeface="Times" charset="0"/>
+                <a:cs typeface="Times" charset="0"/>
+                <a:sym typeface="Arial"/>
+              </a:rPr>
+              <a:t> </a:t>
+            </a:r>
+            <a:r>
+              <a:rPr lang="en-US" altLang="zh-CN" sz="2800" b="0" i="0" u="none" dirty="0" smtClean="0">
+                <a:solidFill>
+                  <a:schemeClr val="dk1"/>
+                </a:solidFill>
+                <a:latin typeface="Times" charset="0"/>
+                <a:ea typeface="Times" charset="0"/>
+                <a:cs typeface="Times" charset="0"/>
+                <a:sym typeface="Arial"/>
+              </a:rPr>
+              <a:t>our</a:t>
+            </a:r>
+            <a:r>
+              <a:rPr lang="zh-CN" altLang="en-US" sz="2800" b="0" i="0" u="none" dirty="0" smtClean="0">
+                <a:solidFill>
+                  <a:schemeClr val="dk1"/>
+                </a:solidFill>
+                <a:latin typeface="Times" charset="0"/>
+                <a:ea typeface="Times" charset="0"/>
+                <a:cs typeface="Times" charset="0"/>
+                <a:sym typeface="Arial"/>
+              </a:rPr>
+              <a:t> </a:t>
+            </a:r>
+            <a:r>
+              <a:rPr lang="en-US" altLang="zh-CN" sz="2800" b="0" i="0" u="none" dirty="0" smtClean="0">
+                <a:solidFill>
+                  <a:schemeClr val="dk1"/>
+                </a:solidFill>
+                <a:latin typeface="Times" charset="0"/>
+                <a:ea typeface="Times" charset="0"/>
+                <a:cs typeface="Times" charset="0"/>
+                <a:sym typeface="Arial"/>
+              </a:rPr>
+              <a:t>experiment</a:t>
+            </a:r>
+            <a:r>
+              <a:rPr lang="zh-CN" altLang="en-US" sz="2800" b="0" i="0" u="none" dirty="0" smtClean="0">
+                <a:solidFill>
+                  <a:schemeClr val="dk1"/>
+                </a:solidFill>
+                <a:latin typeface="Times" charset="0"/>
+                <a:ea typeface="Times" charset="0"/>
+                <a:cs typeface="Times" charset="0"/>
+                <a:sym typeface="Arial"/>
+              </a:rPr>
+              <a:t> </a:t>
+            </a:r>
+            <a:r>
+              <a:rPr lang="en-US" altLang="zh-CN" sz="2800" b="0" i="0" u="none" dirty="0" smtClean="0">
+                <a:solidFill>
+                  <a:schemeClr val="dk1"/>
+                </a:solidFill>
+                <a:latin typeface="Times" charset="0"/>
+                <a:ea typeface="Times" charset="0"/>
+                <a:cs typeface="Times" charset="0"/>
+                <a:sym typeface="Arial"/>
+              </a:rPr>
+              <a:t>results,</a:t>
+            </a:r>
+            <a:r>
+              <a:rPr lang="zh-CN" altLang="en-US" sz="2800" b="0" i="0" u="none" dirty="0" smtClean="0">
+                <a:solidFill>
+                  <a:schemeClr val="dk1"/>
+                </a:solidFill>
+                <a:latin typeface="Times" charset="0"/>
+                <a:ea typeface="Times" charset="0"/>
+                <a:cs typeface="Times" charset="0"/>
+                <a:sym typeface="Arial"/>
+              </a:rPr>
+              <a:t> </a:t>
+            </a:r>
+            <a:r>
+              <a:rPr lang="en-US" altLang="zh-CN" sz="2800" b="0" i="0" u="none" dirty="0" smtClean="0">
+                <a:solidFill>
+                  <a:schemeClr val="dk1"/>
+                </a:solidFill>
+                <a:latin typeface="Times" charset="0"/>
+                <a:ea typeface="Times" charset="0"/>
+                <a:cs typeface="Times" charset="0"/>
+                <a:sym typeface="Arial"/>
+              </a:rPr>
+              <a:t>we</a:t>
+            </a:r>
+            <a:r>
+              <a:rPr lang="zh-CN" altLang="en-US" sz="2800" b="0" i="0" u="none" dirty="0" smtClean="0">
+                <a:solidFill>
+                  <a:schemeClr val="dk1"/>
+                </a:solidFill>
+                <a:latin typeface="Times" charset="0"/>
+                <a:ea typeface="Times" charset="0"/>
+                <a:cs typeface="Times" charset="0"/>
+                <a:sym typeface="Arial"/>
+              </a:rPr>
+              <a:t> </a:t>
+            </a:r>
+            <a:r>
+              <a:rPr lang="en-US" altLang="zh-CN" sz="2800" b="0" i="0" u="none" dirty="0" smtClean="0">
+                <a:solidFill>
+                  <a:schemeClr val="dk1"/>
+                </a:solidFill>
+                <a:latin typeface="Times" charset="0"/>
+                <a:ea typeface="Times" charset="0"/>
+                <a:cs typeface="Times" charset="0"/>
+                <a:sym typeface="Arial"/>
+              </a:rPr>
+              <a:t>discovere</a:t>
+            </a:r>
+            <a:r>
+              <a:rPr lang="en-US" altLang="zh-CN" sz="2800" dirty="0" smtClean="0">
+                <a:solidFill>
+                  <a:schemeClr val="dk1"/>
+                </a:solidFill>
+                <a:latin typeface="Times" charset="0"/>
+                <a:ea typeface="Times" charset="0"/>
+                <a:cs typeface="Times" charset="0"/>
+              </a:rPr>
+              <a:t>d</a:t>
+            </a:r>
+            <a:r>
+              <a:rPr lang="zh-CN" altLang="en-US" sz="2800" dirty="0" smtClean="0">
+                <a:solidFill>
+                  <a:schemeClr val="dk1"/>
+                </a:solidFill>
+                <a:latin typeface="Times" charset="0"/>
+                <a:ea typeface="Times" charset="0"/>
+                <a:cs typeface="Times" charset="0"/>
+              </a:rPr>
+              <a:t> </a:t>
+            </a:r>
+            <a:r>
+              <a:rPr lang="en-US" altLang="zh-CN" sz="2800" dirty="0" smtClean="0">
+                <a:solidFill>
+                  <a:schemeClr val="dk1"/>
+                </a:solidFill>
+                <a:latin typeface="Times" charset="0"/>
+                <a:ea typeface="Times" charset="0"/>
+                <a:cs typeface="Times" charset="0"/>
+              </a:rPr>
+              <a:t>that</a:t>
+            </a:r>
+            <a:endParaRPr lang="en-US" altLang="zh-CN" sz="2800" dirty="0">
+              <a:solidFill>
+                <a:schemeClr val="dk1"/>
+              </a:solidFill>
+              <a:latin typeface="Times" charset="0"/>
+              <a:ea typeface="Times" charset="0"/>
+              <a:cs typeface="Times" charset="0"/>
+            </a:endParaRPr>
+          </a:p>
+          <a:p>
+            <a:pPr marL="0" marR="0" lvl="0" indent="0" algn="just" rtl="0">
+              <a:lnSpc>
+                <a:spcPct val="100000"/>
+              </a:lnSpc>
+              <a:spcBef>
+                <a:spcPts val="0"/>
+              </a:spcBef>
+              <a:spcAft>
+                <a:spcPts val="0"/>
+              </a:spcAft>
+              <a:buClr>
+                <a:schemeClr val="dk1"/>
+              </a:buClr>
+              <a:buFont typeface="Arial"/>
+              <a:buNone/>
+            </a:pPr>
+            <a:r>
+              <a:rPr lang="en-US" altLang="zh-CN" sz="2800" b="0" i="0" u="none" dirty="0" smtClean="0">
+                <a:solidFill>
+                  <a:schemeClr val="dk1"/>
+                </a:solidFill>
+                <a:latin typeface="Times" charset="0"/>
+                <a:ea typeface="Times" charset="0"/>
+                <a:cs typeface="Times" charset="0"/>
+                <a:sym typeface="Arial"/>
+              </a:rPr>
+              <a:t>1.</a:t>
+            </a:r>
+            <a:r>
+              <a:rPr lang="zh-CN" altLang="en-US" sz="2800" b="0" i="0" u="none" dirty="0" smtClean="0">
+                <a:solidFill>
+                  <a:schemeClr val="dk1"/>
+                </a:solidFill>
+                <a:latin typeface="Times" charset="0"/>
+                <a:ea typeface="Times" charset="0"/>
+                <a:cs typeface="Times" charset="0"/>
+                <a:sym typeface="Arial"/>
+              </a:rPr>
+              <a:t> </a:t>
+            </a:r>
+            <a:r>
+              <a:rPr lang="en-US" altLang="zh-CN" sz="2800" b="0" i="0" u="none" dirty="0" smtClean="0">
+                <a:solidFill>
+                  <a:schemeClr val="dk1"/>
+                </a:solidFill>
+                <a:latin typeface="Times" charset="0"/>
+                <a:ea typeface="Times" charset="0"/>
+                <a:cs typeface="Times" charset="0"/>
+                <a:sym typeface="Arial"/>
+              </a:rPr>
+              <a:t>Staleness</a:t>
+            </a:r>
+            <a:r>
+              <a:rPr lang="zh-CN" altLang="en-US" sz="2800" b="0" i="0" u="none" dirty="0" smtClean="0">
+                <a:solidFill>
+                  <a:schemeClr val="dk1"/>
+                </a:solidFill>
+                <a:latin typeface="Times" charset="0"/>
+                <a:ea typeface="Times" charset="0"/>
+                <a:cs typeface="Times" charset="0"/>
+                <a:sym typeface="Arial"/>
+              </a:rPr>
+              <a:t> </a:t>
+            </a:r>
+            <a:r>
+              <a:rPr lang="en-US" altLang="zh-CN" sz="2800" b="0" i="0" u="none" dirty="0" smtClean="0">
+                <a:solidFill>
+                  <a:schemeClr val="dk1"/>
+                </a:solidFill>
+                <a:latin typeface="Times" charset="0"/>
+                <a:ea typeface="Times" charset="0"/>
+                <a:cs typeface="Times" charset="0"/>
+                <a:sym typeface="Arial"/>
+              </a:rPr>
+              <a:t>does</a:t>
+            </a:r>
+            <a:r>
+              <a:rPr lang="zh-CN" altLang="en-US" sz="2800" b="0" i="0" u="none" dirty="0" smtClean="0">
+                <a:solidFill>
+                  <a:schemeClr val="dk1"/>
+                </a:solidFill>
+                <a:latin typeface="Times" charset="0"/>
+                <a:ea typeface="Times" charset="0"/>
+                <a:cs typeface="Times" charset="0"/>
+                <a:sym typeface="Arial"/>
+              </a:rPr>
+              <a:t> </a:t>
+            </a:r>
+            <a:r>
+              <a:rPr lang="en-US" altLang="zh-CN" sz="2800" b="0" i="0" u="none" dirty="0" smtClean="0">
+                <a:solidFill>
+                  <a:schemeClr val="dk1"/>
+                </a:solidFill>
+                <a:latin typeface="Times" charset="0"/>
+                <a:ea typeface="Times" charset="0"/>
+                <a:cs typeface="Times" charset="0"/>
+                <a:sym typeface="Arial"/>
+              </a:rPr>
+              <a:t>not</a:t>
+            </a:r>
+            <a:r>
+              <a:rPr lang="zh-CN" altLang="en-US" sz="2800" b="0" i="0" u="none" dirty="0" smtClean="0">
+                <a:solidFill>
+                  <a:schemeClr val="dk1"/>
+                </a:solidFill>
+                <a:latin typeface="Times" charset="0"/>
+                <a:ea typeface="Times" charset="0"/>
+                <a:cs typeface="Times" charset="0"/>
+                <a:sym typeface="Arial"/>
+              </a:rPr>
+              <a:t> </a:t>
+            </a:r>
+            <a:r>
+              <a:rPr lang="en-US" altLang="zh-CN" sz="2800" b="0" i="0" u="none" dirty="0" smtClean="0">
+                <a:solidFill>
+                  <a:schemeClr val="dk1"/>
+                </a:solidFill>
+                <a:latin typeface="Times" charset="0"/>
+                <a:ea typeface="Times" charset="0"/>
+                <a:cs typeface="Times" charset="0"/>
+                <a:sym typeface="Arial"/>
+              </a:rPr>
+              <a:t>necessarily</a:t>
+            </a:r>
+            <a:r>
+              <a:rPr lang="zh-CN" altLang="en-US" sz="2800" b="0" i="0" u="none" dirty="0" smtClean="0">
+                <a:solidFill>
+                  <a:schemeClr val="dk1"/>
+                </a:solidFill>
+                <a:latin typeface="Times" charset="0"/>
+                <a:ea typeface="Times" charset="0"/>
+                <a:cs typeface="Times" charset="0"/>
+                <a:sym typeface="Arial"/>
+              </a:rPr>
+              <a:t> </a:t>
+            </a:r>
+            <a:r>
+              <a:rPr lang="en-US" altLang="zh-CN" sz="2800" dirty="0" smtClean="0">
+                <a:solidFill>
+                  <a:schemeClr val="dk1"/>
+                </a:solidFill>
+                <a:latin typeface="Times" charset="0"/>
+                <a:ea typeface="Times" charset="0"/>
+                <a:cs typeface="Times" charset="0"/>
+              </a:rPr>
+              <a:t>adversely</a:t>
+            </a:r>
+            <a:r>
+              <a:rPr lang="zh-CN" altLang="en-US" sz="2800" dirty="0" smtClean="0">
+                <a:solidFill>
+                  <a:schemeClr val="dk1"/>
+                </a:solidFill>
+                <a:latin typeface="Times" charset="0"/>
+                <a:ea typeface="Times" charset="0"/>
+                <a:cs typeface="Times" charset="0"/>
+              </a:rPr>
+              <a:t> </a:t>
+            </a:r>
+            <a:r>
+              <a:rPr lang="en-US" altLang="zh-CN" sz="2800" dirty="0" smtClean="0">
+                <a:solidFill>
+                  <a:schemeClr val="dk1"/>
+                </a:solidFill>
+                <a:latin typeface="Times" charset="0"/>
+                <a:ea typeface="Times" charset="0"/>
+                <a:cs typeface="Times" charset="0"/>
+              </a:rPr>
+              <a:t>affect</a:t>
+            </a:r>
+            <a:r>
+              <a:rPr lang="zh-CN" altLang="en-US" sz="2800" dirty="0" smtClean="0">
+                <a:solidFill>
+                  <a:schemeClr val="dk1"/>
+                </a:solidFill>
+                <a:latin typeface="Times" charset="0"/>
+                <a:ea typeface="Times" charset="0"/>
+                <a:cs typeface="Times" charset="0"/>
+              </a:rPr>
+              <a:t> </a:t>
+            </a:r>
+            <a:r>
+              <a:rPr lang="en-US" altLang="zh-CN" sz="2800" dirty="0" smtClean="0">
+                <a:solidFill>
+                  <a:schemeClr val="dk1"/>
+                </a:solidFill>
+                <a:latin typeface="Times" charset="0"/>
+                <a:ea typeface="Times" charset="0"/>
+                <a:cs typeface="Times" charset="0"/>
+              </a:rPr>
+              <a:t>convergence.</a:t>
+            </a:r>
+            <a:r>
+              <a:rPr lang="zh-CN" altLang="en-US" sz="2800" dirty="0" smtClean="0">
+                <a:solidFill>
+                  <a:schemeClr val="dk1"/>
+                </a:solidFill>
+                <a:latin typeface="Times" charset="0"/>
+                <a:ea typeface="Times" charset="0"/>
+                <a:cs typeface="Times" charset="0"/>
+              </a:rPr>
+              <a:t> </a:t>
+            </a:r>
+            <a:r>
+              <a:rPr lang="en-US" altLang="zh-CN" sz="2800" dirty="0" smtClean="0">
+                <a:solidFill>
+                  <a:schemeClr val="dk1"/>
+                </a:solidFill>
+                <a:latin typeface="Times" charset="0"/>
+                <a:ea typeface="Times" charset="0"/>
+                <a:cs typeface="Times" charset="0"/>
+              </a:rPr>
+              <a:t>In</a:t>
+            </a:r>
+            <a:r>
+              <a:rPr lang="zh-CN" altLang="en-US" sz="2800" dirty="0" smtClean="0">
+                <a:solidFill>
+                  <a:schemeClr val="dk1"/>
+                </a:solidFill>
+                <a:latin typeface="Times" charset="0"/>
+                <a:ea typeface="Times" charset="0"/>
+                <a:cs typeface="Times" charset="0"/>
+              </a:rPr>
+              <a:t> </a:t>
+            </a:r>
+            <a:r>
+              <a:rPr lang="en-US" altLang="zh-CN" sz="2800" dirty="0" smtClean="0">
+                <a:solidFill>
+                  <a:schemeClr val="dk1"/>
+                </a:solidFill>
+                <a:latin typeface="Times" charset="0"/>
+                <a:ea typeface="Times" charset="0"/>
+                <a:cs typeface="Times" charset="0"/>
+              </a:rPr>
+              <a:t>most</a:t>
+            </a:r>
+            <a:r>
+              <a:rPr lang="zh-CN" altLang="en-US" sz="2800" dirty="0" smtClean="0">
+                <a:solidFill>
+                  <a:schemeClr val="dk1"/>
+                </a:solidFill>
+                <a:latin typeface="Times" charset="0"/>
+                <a:ea typeface="Times" charset="0"/>
+                <a:cs typeface="Times" charset="0"/>
+              </a:rPr>
+              <a:t> </a:t>
+            </a:r>
+            <a:r>
+              <a:rPr lang="en-US" altLang="zh-CN" sz="2800" dirty="0" smtClean="0">
+                <a:solidFill>
+                  <a:schemeClr val="dk1"/>
+                </a:solidFill>
+                <a:latin typeface="Times" charset="0"/>
+                <a:ea typeface="Times" charset="0"/>
+                <a:cs typeface="Times" charset="0"/>
+              </a:rPr>
+              <a:t>ideal</a:t>
+            </a:r>
+            <a:r>
+              <a:rPr lang="zh-CN" altLang="en-US" sz="2800" dirty="0" smtClean="0">
+                <a:solidFill>
+                  <a:schemeClr val="dk1"/>
+                </a:solidFill>
+                <a:latin typeface="Times" charset="0"/>
+                <a:ea typeface="Times" charset="0"/>
+                <a:cs typeface="Times" charset="0"/>
+              </a:rPr>
+              <a:t> </a:t>
+            </a:r>
+            <a:r>
+              <a:rPr lang="en-US" altLang="zh-CN" sz="2800" dirty="0" smtClean="0">
+                <a:solidFill>
+                  <a:schemeClr val="dk1"/>
+                </a:solidFill>
+                <a:latin typeface="Times" charset="0"/>
+                <a:ea typeface="Times" charset="0"/>
+                <a:cs typeface="Times" charset="0"/>
+              </a:rPr>
+              <a:t>cases,</a:t>
+            </a:r>
+            <a:r>
+              <a:rPr lang="zh-CN" altLang="en-US" sz="2800" dirty="0" smtClean="0">
+                <a:solidFill>
+                  <a:schemeClr val="dk1"/>
+                </a:solidFill>
+                <a:latin typeface="Times" charset="0"/>
+                <a:ea typeface="Times" charset="0"/>
+                <a:cs typeface="Times" charset="0"/>
+              </a:rPr>
+              <a:t> </a:t>
+            </a:r>
+            <a:r>
+              <a:rPr lang="en-US" altLang="zh-CN" sz="2800" dirty="0" smtClean="0">
+                <a:solidFill>
+                  <a:schemeClr val="dk1"/>
+                </a:solidFill>
+                <a:latin typeface="Times" charset="0"/>
+                <a:ea typeface="Times" charset="0"/>
+                <a:cs typeface="Times" charset="0"/>
+              </a:rPr>
+              <a:t>the</a:t>
+            </a:r>
+            <a:r>
+              <a:rPr lang="zh-CN" altLang="en-US" sz="2800" dirty="0" smtClean="0">
+                <a:solidFill>
+                  <a:schemeClr val="dk1"/>
+                </a:solidFill>
+                <a:latin typeface="Times" charset="0"/>
+                <a:ea typeface="Times" charset="0"/>
+                <a:cs typeface="Times" charset="0"/>
+              </a:rPr>
+              <a:t> </a:t>
+            </a:r>
+            <a:r>
+              <a:rPr lang="en-US" altLang="zh-CN" sz="2800" dirty="0" smtClean="0">
+                <a:solidFill>
+                  <a:schemeClr val="dk1"/>
+                </a:solidFill>
+                <a:latin typeface="Times" charset="0"/>
+                <a:ea typeface="Times" charset="0"/>
+                <a:cs typeface="Times" charset="0"/>
+              </a:rPr>
+              <a:t>algorithm</a:t>
+            </a:r>
+            <a:r>
+              <a:rPr lang="zh-CN" altLang="en-US" sz="2800" dirty="0" smtClean="0">
+                <a:solidFill>
+                  <a:schemeClr val="dk1"/>
+                </a:solidFill>
+                <a:latin typeface="Times" charset="0"/>
+                <a:ea typeface="Times" charset="0"/>
+                <a:cs typeface="Times" charset="0"/>
+              </a:rPr>
+              <a:t> </a:t>
+            </a:r>
+            <a:r>
+              <a:rPr lang="en-US" altLang="zh-CN" sz="2800" dirty="0" smtClean="0">
+                <a:solidFill>
+                  <a:schemeClr val="dk1"/>
+                </a:solidFill>
+                <a:latin typeface="Times" charset="0"/>
+                <a:ea typeface="Times" charset="0"/>
+                <a:cs typeface="Times" charset="0"/>
+              </a:rPr>
+              <a:t>converges</a:t>
+            </a:r>
+            <a:r>
+              <a:rPr lang="zh-CN" altLang="en-US" sz="2800" dirty="0" smtClean="0">
+                <a:solidFill>
+                  <a:schemeClr val="dk1"/>
+                </a:solidFill>
+                <a:latin typeface="Times" charset="0"/>
+                <a:ea typeface="Times" charset="0"/>
+                <a:cs typeface="Times" charset="0"/>
+              </a:rPr>
+              <a:t> </a:t>
+            </a:r>
+            <a:r>
+              <a:rPr lang="en-US" altLang="zh-CN" sz="2800" dirty="0" smtClean="0">
+                <a:solidFill>
+                  <a:schemeClr val="dk1"/>
+                </a:solidFill>
+                <a:latin typeface="Times" charset="0"/>
+                <a:ea typeface="Times" charset="0"/>
+                <a:cs typeface="Times" charset="0"/>
+              </a:rPr>
+              <a:t>with</a:t>
+            </a:r>
+            <a:r>
+              <a:rPr lang="zh-CN" altLang="en-US" sz="2800" dirty="0" smtClean="0">
+                <a:solidFill>
+                  <a:schemeClr val="dk1"/>
+                </a:solidFill>
+                <a:latin typeface="Times" charset="0"/>
+                <a:ea typeface="Times" charset="0"/>
+                <a:cs typeface="Times" charset="0"/>
+              </a:rPr>
+              <a:t> </a:t>
+            </a:r>
+            <a:r>
+              <a:rPr lang="en-US" altLang="zh-CN" sz="2800" dirty="0" smtClean="0">
+                <a:solidFill>
+                  <a:schemeClr val="dk1"/>
+                </a:solidFill>
+                <a:latin typeface="Times" charset="0"/>
+                <a:ea typeface="Times" charset="0"/>
+                <a:cs typeface="Times" charset="0"/>
+              </a:rPr>
+              <a:t>the</a:t>
+            </a:r>
+            <a:r>
+              <a:rPr lang="zh-CN" altLang="en-US" sz="2800" dirty="0" smtClean="0">
+                <a:solidFill>
+                  <a:schemeClr val="dk1"/>
+                </a:solidFill>
+                <a:latin typeface="Times" charset="0"/>
+                <a:ea typeface="Times" charset="0"/>
+                <a:cs typeface="Times" charset="0"/>
+              </a:rPr>
+              <a:t> </a:t>
+            </a:r>
+            <a:r>
+              <a:rPr lang="en-US" altLang="zh-CN" sz="2800" dirty="0" smtClean="0">
+                <a:solidFill>
+                  <a:schemeClr val="dk1"/>
+                </a:solidFill>
+                <a:latin typeface="Times" charset="0"/>
+                <a:ea typeface="Times" charset="0"/>
+                <a:cs typeface="Times" charset="0"/>
+              </a:rPr>
+              <a:t>same</a:t>
+            </a:r>
+            <a:r>
+              <a:rPr lang="zh-CN" altLang="en-US" sz="2800" dirty="0" smtClean="0">
+                <a:solidFill>
+                  <a:schemeClr val="dk1"/>
+                </a:solidFill>
+                <a:latin typeface="Times" charset="0"/>
+                <a:ea typeface="Times" charset="0"/>
+                <a:cs typeface="Times" charset="0"/>
+              </a:rPr>
+              <a:t> </a:t>
+            </a:r>
+            <a:r>
+              <a:rPr lang="en-US" altLang="zh-CN" sz="2800" dirty="0" smtClean="0">
+                <a:solidFill>
+                  <a:schemeClr val="dk1"/>
+                </a:solidFill>
+                <a:latin typeface="Times" charset="0"/>
+                <a:ea typeface="Times" charset="0"/>
+                <a:cs typeface="Times" charset="0"/>
+              </a:rPr>
+              <a:t>rate</a:t>
+            </a:r>
+            <a:r>
+              <a:rPr lang="zh-CN" altLang="en-US" sz="2800" dirty="0" smtClean="0">
+                <a:solidFill>
+                  <a:schemeClr val="dk1"/>
+                </a:solidFill>
+                <a:latin typeface="Times" charset="0"/>
+                <a:ea typeface="Times" charset="0"/>
+                <a:cs typeface="Times" charset="0"/>
+              </a:rPr>
+              <a:t> </a:t>
+            </a:r>
+            <a:r>
+              <a:rPr lang="en-US" altLang="zh-CN" sz="2800" dirty="0" smtClean="0">
+                <a:solidFill>
+                  <a:schemeClr val="dk1"/>
+                </a:solidFill>
+                <a:latin typeface="Times" charset="0"/>
+                <a:ea typeface="Times" charset="0"/>
+                <a:cs typeface="Times" charset="0"/>
+              </a:rPr>
+              <a:t>with</a:t>
+            </a:r>
+            <a:r>
+              <a:rPr lang="zh-CN" altLang="en-US" sz="2800" dirty="0" smtClean="0">
+                <a:solidFill>
+                  <a:schemeClr val="dk1"/>
+                </a:solidFill>
+                <a:latin typeface="Times" charset="0"/>
+                <a:ea typeface="Times" charset="0"/>
+                <a:cs typeface="Times" charset="0"/>
+              </a:rPr>
+              <a:t> </a:t>
+            </a:r>
+            <a:r>
+              <a:rPr lang="en-US" altLang="zh-CN" sz="2800" dirty="0" smtClean="0">
+                <a:solidFill>
+                  <a:schemeClr val="dk1"/>
+                </a:solidFill>
+                <a:latin typeface="Times" charset="0"/>
+                <a:ea typeface="Times" charset="0"/>
+                <a:cs typeface="Times" charset="0"/>
+              </a:rPr>
+              <a:t>or</a:t>
+            </a:r>
+            <a:r>
+              <a:rPr lang="zh-CN" altLang="en-US" sz="2800" dirty="0" smtClean="0">
+                <a:solidFill>
+                  <a:schemeClr val="dk1"/>
+                </a:solidFill>
+                <a:latin typeface="Times" charset="0"/>
+                <a:ea typeface="Times" charset="0"/>
+                <a:cs typeface="Times" charset="0"/>
+              </a:rPr>
+              <a:t> </a:t>
+            </a:r>
+            <a:r>
+              <a:rPr lang="en-US" altLang="zh-CN" sz="2800" dirty="0" smtClean="0">
+                <a:solidFill>
+                  <a:schemeClr val="dk1"/>
+                </a:solidFill>
+                <a:latin typeface="Times" charset="0"/>
+                <a:ea typeface="Times" charset="0"/>
+                <a:cs typeface="Times" charset="0"/>
+              </a:rPr>
+              <a:t>without</a:t>
+            </a:r>
+            <a:r>
+              <a:rPr lang="zh-CN" altLang="en-US" sz="2800" dirty="0" smtClean="0">
+                <a:solidFill>
+                  <a:schemeClr val="dk1"/>
+                </a:solidFill>
+                <a:latin typeface="Times" charset="0"/>
+                <a:ea typeface="Times" charset="0"/>
+                <a:cs typeface="Times" charset="0"/>
+              </a:rPr>
+              <a:t> </a:t>
+            </a:r>
+            <a:r>
+              <a:rPr lang="en-US" altLang="zh-CN" sz="2800" dirty="0" smtClean="0">
+                <a:solidFill>
+                  <a:schemeClr val="dk1"/>
+                </a:solidFill>
+                <a:latin typeface="Times" charset="0"/>
+                <a:ea typeface="Times" charset="0"/>
+                <a:cs typeface="Times" charset="0"/>
+              </a:rPr>
+              <a:t>staleness.</a:t>
+            </a:r>
+          </a:p>
+          <a:p>
+            <a:pPr marL="0" marR="0" lvl="0" indent="0" algn="just" rtl="0">
+              <a:lnSpc>
+                <a:spcPct val="100000"/>
+              </a:lnSpc>
+              <a:spcBef>
+                <a:spcPts val="0"/>
+              </a:spcBef>
+              <a:spcAft>
+                <a:spcPts val="0"/>
+              </a:spcAft>
+              <a:buClr>
+                <a:schemeClr val="dk1"/>
+              </a:buClr>
+              <a:buFont typeface="Arial"/>
+              <a:buNone/>
+            </a:pPr>
+            <a:r>
+              <a:rPr lang="en-US" altLang="zh-CN" sz="2800" b="0" i="0" u="none" dirty="0" smtClean="0">
+                <a:solidFill>
+                  <a:schemeClr val="dk1"/>
+                </a:solidFill>
+                <a:latin typeface="Times" charset="0"/>
+                <a:ea typeface="Times" charset="0"/>
+                <a:cs typeface="Times" charset="0"/>
+                <a:sym typeface="Arial"/>
+              </a:rPr>
+              <a:t>2.</a:t>
+            </a:r>
+            <a:r>
+              <a:rPr lang="zh-CN" altLang="en-US" sz="2800" b="0" i="0" u="none" dirty="0" smtClean="0">
+                <a:solidFill>
+                  <a:schemeClr val="dk1"/>
+                </a:solidFill>
+                <a:latin typeface="Times" charset="0"/>
+                <a:ea typeface="Times" charset="0"/>
+                <a:cs typeface="Times" charset="0"/>
+                <a:sym typeface="Arial"/>
+              </a:rPr>
+              <a:t> </a:t>
+            </a:r>
+            <a:r>
+              <a:rPr lang="en-US" altLang="zh-CN" sz="2800" b="0" i="0" u="none" dirty="0" smtClean="0">
+                <a:solidFill>
+                  <a:schemeClr val="dk1"/>
+                </a:solidFill>
+                <a:latin typeface="Times" charset="0"/>
+                <a:ea typeface="Times" charset="0"/>
+                <a:cs typeface="Times" charset="0"/>
+                <a:sym typeface="Arial"/>
+              </a:rPr>
+              <a:t>Sometimes</a:t>
+            </a:r>
+            <a:r>
+              <a:rPr lang="zh-CN" altLang="en-US" sz="2800" b="0" i="0" u="none" dirty="0" smtClean="0">
+                <a:solidFill>
+                  <a:schemeClr val="dk1"/>
+                </a:solidFill>
+                <a:latin typeface="Times" charset="0"/>
+                <a:ea typeface="Times" charset="0"/>
+                <a:cs typeface="Times" charset="0"/>
+                <a:sym typeface="Arial"/>
+              </a:rPr>
+              <a:t> </a:t>
+            </a:r>
+            <a:r>
+              <a:rPr lang="en-US" altLang="zh-CN" sz="2800" b="0" i="0" u="none" dirty="0" smtClean="0">
+                <a:solidFill>
+                  <a:schemeClr val="dk1"/>
+                </a:solidFill>
+                <a:latin typeface="Times" charset="0"/>
+                <a:ea typeface="Times" charset="0"/>
+                <a:cs typeface="Times" charset="0"/>
+                <a:sym typeface="Arial"/>
+              </a:rPr>
+              <a:t>staleness</a:t>
+            </a:r>
+            <a:r>
+              <a:rPr lang="zh-CN" altLang="en-US" sz="2800" b="0" i="0" u="none" dirty="0" smtClean="0">
+                <a:solidFill>
+                  <a:schemeClr val="dk1"/>
+                </a:solidFill>
+                <a:latin typeface="Times" charset="0"/>
+                <a:ea typeface="Times" charset="0"/>
+                <a:cs typeface="Times" charset="0"/>
+                <a:sym typeface="Arial"/>
+              </a:rPr>
+              <a:t> </a:t>
+            </a:r>
+            <a:r>
+              <a:rPr lang="en-US" altLang="zh-CN" sz="2800" b="0" i="0" u="none" dirty="0" smtClean="0">
+                <a:solidFill>
+                  <a:schemeClr val="dk1"/>
+                </a:solidFill>
+                <a:latin typeface="Times" charset="0"/>
+                <a:ea typeface="Times" charset="0"/>
+                <a:cs typeface="Times" charset="0"/>
+                <a:sym typeface="Arial"/>
+              </a:rPr>
+              <a:t>can</a:t>
+            </a:r>
+            <a:r>
+              <a:rPr lang="zh-CN" altLang="en-US" sz="2800" b="0" i="0" u="none" dirty="0" smtClean="0">
+                <a:solidFill>
+                  <a:schemeClr val="dk1"/>
+                </a:solidFill>
+                <a:latin typeface="Times" charset="0"/>
+                <a:ea typeface="Times" charset="0"/>
+                <a:cs typeface="Times" charset="0"/>
+                <a:sym typeface="Arial"/>
+              </a:rPr>
+              <a:t> </a:t>
+            </a:r>
+            <a:r>
+              <a:rPr lang="en-US" altLang="zh-CN" sz="2800" b="0" i="0" u="none" dirty="0" smtClean="0">
+                <a:solidFill>
+                  <a:schemeClr val="dk1"/>
+                </a:solidFill>
+                <a:latin typeface="Times" charset="0"/>
+                <a:ea typeface="Times" charset="0"/>
+                <a:cs typeface="Times" charset="0"/>
+                <a:sym typeface="Arial"/>
+              </a:rPr>
+              <a:t>even</a:t>
+            </a:r>
+            <a:r>
+              <a:rPr lang="zh-CN" altLang="en-US" sz="2800" b="0" i="0" u="none" dirty="0" smtClean="0">
+                <a:solidFill>
+                  <a:schemeClr val="dk1"/>
+                </a:solidFill>
+                <a:latin typeface="Times" charset="0"/>
+                <a:ea typeface="Times" charset="0"/>
+                <a:cs typeface="Times" charset="0"/>
+                <a:sym typeface="Arial"/>
+              </a:rPr>
+              <a:t> </a:t>
+            </a:r>
+            <a:r>
+              <a:rPr lang="en-US" altLang="zh-CN" sz="2800" b="0" i="0" u="none" dirty="0" smtClean="0">
+                <a:solidFill>
+                  <a:schemeClr val="dk1"/>
+                </a:solidFill>
+                <a:latin typeface="Times" charset="0"/>
+                <a:ea typeface="Times" charset="0"/>
+                <a:cs typeface="Times" charset="0"/>
+                <a:sym typeface="Arial"/>
+              </a:rPr>
+              <a:t>accelerate</a:t>
+            </a:r>
+            <a:r>
+              <a:rPr lang="zh-CN" altLang="en-US" sz="2800" b="0" i="0" u="none" dirty="0" smtClean="0">
+                <a:solidFill>
+                  <a:schemeClr val="dk1"/>
+                </a:solidFill>
+                <a:latin typeface="Times" charset="0"/>
+                <a:ea typeface="Times" charset="0"/>
+                <a:cs typeface="Times" charset="0"/>
+                <a:sym typeface="Arial"/>
+              </a:rPr>
+              <a:t> </a:t>
+            </a:r>
+            <a:r>
+              <a:rPr lang="en-US" altLang="zh-CN" sz="2800" b="0" i="0" u="none" dirty="0" smtClean="0">
+                <a:solidFill>
+                  <a:schemeClr val="dk1"/>
+                </a:solidFill>
+                <a:latin typeface="Times" charset="0"/>
+                <a:ea typeface="Times" charset="0"/>
+                <a:cs typeface="Times" charset="0"/>
+                <a:sym typeface="Arial"/>
+              </a:rPr>
+              <a:t>convergence.</a:t>
+            </a:r>
+            <a:r>
+              <a:rPr lang="zh-CN" altLang="en-US" sz="2800" b="0" i="0" u="none" dirty="0" smtClean="0">
+                <a:solidFill>
+                  <a:schemeClr val="dk1"/>
+                </a:solidFill>
+                <a:latin typeface="Times" charset="0"/>
+                <a:ea typeface="Times" charset="0"/>
+                <a:cs typeface="Times" charset="0"/>
+                <a:sym typeface="Arial"/>
+              </a:rPr>
+              <a:t> </a:t>
+            </a:r>
+            <a:r>
+              <a:rPr lang="en-US" altLang="zh-CN" sz="2800" b="0" i="0" u="none" dirty="0" smtClean="0">
+                <a:solidFill>
+                  <a:schemeClr val="dk1"/>
+                </a:solidFill>
+                <a:latin typeface="Times" charset="0"/>
+                <a:ea typeface="Times" charset="0"/>
+                <a:cs typeface="Times" charset="0"/>
+                <a:sym typeface="Arial"/>
+              </a:rPr>
+              <a:t>We</a:t>
+            </a:r>
+            <a:r>
+              <a:rPr lang="zh-CN" altLang="en-US" sz="2800" b="0" i="0" u="none" dirty="0" smtClean="0">
+                <a:solidFill>
+                  <a:schemeClr val="dk1"/>
+                </a:solidFill>
+                <a:latin typeface="Times" charset="0"/>
+                <a:ea typeface="Times" charset="0"/>
+                <a:cs typeface="Times" charset="0"/>
+                <a:sym typeface="Arial"/>
+              </a:rPr>
+              <a:t> </a:t>
+            </a:r>
+            <a:r>
+              <a:rPr lang="en-US" altLang="zh-CN" sz="2800" b="0" i="0" u="none" dirty="0" smtClean="0">
+                <a:solidFill>
+                  <a:schemeClr val="dk1"/>
+                </a:solidFill>
+                <a:latin typeface="Times" charset="0"/>
+                <a:ea typeface="Times" charset="0"/>
+                <a:cs typeface="Times" charset="0"/>
+                <a:sym typeface="Arial"/>
+              </a:rPr>
+              <a:t>suspect</a:t>
+            </a:r>
+            <a:r>
+              <a:rPr lang="zh-CN" altLang="en-US" sz="2800" b="0" i="0" u="none" dirty="0" smtClean="0">
+                <a:solidFill>
+                  <a:schemeClr val="dk1"/>
+                </a:solidFill>
+                <a:latin typeface="Times" charset="0"/>
+                <a:ea typeface="Times" charset="0"/>
+                <a:cs typeface="Times" charset="0"/>
+                <a:sym typeface="Arial"/>
+              </a:rPr>
+              <a:t> </a:t>
+            </a:r>
+            <a:r>
+              <a:rPr lang="en-US" altLang="zh-CN" sz="2800" b="0" i="0" u="none" dirty="0" smtClean="0">
+                <a:solidFill>
+                  <a:schemeClr val="dk1"/>
+                </a:solidFill>
+                <a:latin typeface="Times" charset="0"/>
+                <a:ea typeface="Times" charset="0"/>
+                <a:cs typeface="Times" charset="0"/>
+                <a:sym typeface="Arial"/>
+              </a:rPr>
+              <a:t>that</a:t>
+            </a:r>
+            <a:r>
+              <a:rPr lang="zh-CN" altLang="en-US" sz="2800" b="0" i="0" u="none" dirty="0" smtClean="0">
+                <a:solidFill>
+                  <a:schemeClr val="dk1"/>
+                </a:solidFill>
+                <a:latin typeface="Times" charset="0"/>
+                <a:ea typeface="Times" charset="0"/>
+                <a:cs typeface="Times" charset="0"/>
+                <a:sym typeface="Arial"/>
+              </a:rPr>
+              <a:t> </a:t>
+            </a:r>
+            <a:r>
+              <a:rPr lang="en-US" altLang="zh-CN" sz="2800" b="0" i="0" u="none" dirty="0" smtClean="0">
+                <a:solidFill>
+                  <a:schemeClr val="dk1"/>
+                </a:solidFill>
+                <a:latin typeface="Times" charset="0"/>
+                <a:ea typeface="Times" charset="0"/>
+                <a:cs typeface="Times" charset="0"/>
+                <a:sym typeface="Arial"/>
+              </a:rPr>
+              <a:t>staleness</a:t>
+            </a:r>
+            <a:r>
+              <a:rPr lang="zh-CN" altLang="en-US" sz="2800" b="0" i="0" u="none" dirty="0" smtClean="0">
+                <a:solidFill>
+                  <a:schemeClr val="dk1"/>
+                </a:solidFill>
+                <a:latin typeface="Times" charset="0"/>
+                <a:ea typeface="Times" charset="0"/>
+                <a:cs typeface="Times" charset="0"/>
+                <a:sym typeface="Arial"/>
+              </a:rPr>
+              <a:t> </a:t>
+            </a:r>
+            <a:r>
+              <a:rPr lang="en-US" altLang="zh-CN" sz="2800" b="0" i="0" u="none" dirty="0" smtClean="0">
+                <a:solidFill>
+                  <a:schemeClr val="dk1"/>
+                </a:solidFill>
+                <a:latin typeface="Times" charset="0"/>
+                <a:ea typeface="Times" charset="0"/>
+                <a:cs typeface="Times" charset="0"/>
+                <a:sym typeface="Arial"/>
+              </a:rPr>
+              <a:t>effectively</a:t>
+            </a:r>
+            <a:r>
+              <a:rPr lang="zh-CN" altLang="en-US" sz="2800" b="0" i="0" u="none" dirty="0" smtClean="0">
+                <a:solidFill>
+                  <a:schemeClr val="dk1"/>
+                </a:solidFill>
+                <a:latin typeface="Times" charset="0"/>
+                <a:ea typeface="Times" charset="0"/>
+                <a:cs typeface="Times" charset="0"/>
+                <a:sym typeface="Arial"/>
+              </a:rPr>
+              <a:t> </a:t>
+            </a:r>
+            <a:r>
+              <a:rPr lang="en-US" altLang="zh-CN" sz="2800" b="0" i="0" u="none" dirty="0" smtClean="0">
+                <a:solidFill>
+                  <a:schemeClr val="dk1"/>
+                </a:solidFill>
+                <a:latin typeface="Times" charset="0"/>
+                <a:ea typeface="Times" charset="0"/>
+                <a:cs typeface="Times" charset="0"/>
+                <a:sym typeface="Arial"/>
+              </a:rPr>
+              <a:t>introduce</a:t>
+            </a:r>
+            <a:r>
+              <a:rPr lang="zh-CN" altLang="en-US" sz="2800" b="0" i="0" u="none" dirty="0" smtClean="0">
+                <a:solidFill>
+                  <a:schemeClr val="dk1"/>
+                </a:solidFill>
+                <a:latin typeface="Times" charset="0"/>
+                <a:ea typeface="Times" charset="0"/>
+                <a:cs typeface="Times" charset="0"/>
+                <a:sym typeface="Arial"/>
+              </a:rPr>
+              <a:t> </a:t>
+            </a:r>
+            <a:r>
+              <a:rPr lang="en-US" altLang="zh-CN" sz="2800" b="0" i="0" u="none" dirty="0" smtClean="0">
+                <a:solidFill>
+                  <a:schemeClr val="dk1"/>
+                </a:solidFill>
+                <a:latin typeface="Times" charset="0"/>
+                <a:ea typeface="Times" charset="0"/>
+                <a:cs typeface="Times" charset="0"/>
+                <a:sym typeface="Arial"/>
+              </a:rPr>
+              <a:t>momentum</a:t>
+            </a:r>
+            <a:r>
+              <a:rPr lang="zh-CN" altLang="en-US" sz="2800" b="0" i="0" u="none" dirty="0" smtClean="0">
+                <a:solidFill>
+                  <a:schemeClr val="dk1"/>
+                </a:solidFill>
+                <a:latin typeface="Times" charset="0"/>
+                <a:ea typeface="Times" charset="0"/>
+                <a:cs typeface="Times" charset="0"/>
+                <a:sym typeface="Arial"/>
+              </a:rPr>
+              <a:t> </a:t>
+            </a:r>
+            <a:r>
+              <a:rPr lang="en-US" altLang="zh-CN" sz="2800" b="0" i="0" u="none" dirty="0" smtClean="0">
+                <a:solidFill>
+                  <a:schemeClr val="dk1"/>
+                </a:solidFill>
+                <a:latin typeface="Times" charset="0"/>
+                <a:ea typeface="Times" charset="0"/>
+                <a:cs typeface="Times" charset="0"/>
+                <a:sym typeface="Arial"/>
+              </a:rPr>
+              <a:t>similar</a:t>
+            </a:r>
+            <a:r>
+              <a:rPr lang="zh-CN" altLang="en-US" sz="2800" b="0" i="0" u="none" dirty="0" smtClean="0">
+                <a:solidFill>
+                  <a:schemeClr val="dk1"/>
+                </a:solidFill>
+                <a:latin typeface="Times" charset="0"/>
+                <a:ea typeface="Times" charset="0"/>
+                <a:cs typeface="Times" charset="0"/>
+                <a:sym typeface="Arial"/>
+              </a:rPr>
+              <a:t> </a:t>
+            </a:r>
+            <a:r>
+              <a:rPr lang="en-US" altLang="zh-CN" sz="2800" b="0" i="0" u="none" dirty="0" smtClean="0">
+                <a:solidFill>
+                  <a:schemeClr val="dk1"/>
+                </a:solidFill>
+                <a:latin typeface="Times" charset="0"/>
+                <a:ea typeface="Times" charset="0"/>
+                <a:cs typeface="Times" charset="0"/>
+                <a:sym typeface="Arial"/>
+              </a:rPr>
+              <a:t>to</a:t>
+            </a:r>
+            <a:r>
+              <a:rPr lang="zh-CN" altLang="en-US" sz="2800" b="0" i="0" u="none" dirty="0" smtClean="0">
+                <a:solidFill>
+                  <a:schemeClr val="dk1"/>
+                </a:solidFill>
+                <a:latin typeface="Times" charset="0"/>
+                <a:ea typeface="Times" charset="0"/>
+                <a:cs typeface="Times" charset="0"/>
+                <a:sym typeface="Arial"/>
+              </a:rPr>
+              <a:t> </a:t>
+            </a:r>
+            <a:r>
+              <a:rPr lang="en-US" altLang="zh-CN" sz="2800" b="0" i="0" u="none" dirty="0" smtClean="0">
+                <a:solidFill>
+                  <a:schemeClr val="dk1"/>
+                </a:solidFill>
+                <a:latin typeface="Times" charset="0"/>
+                <a:ea typeface="Times" charset="0"/>
+                <a:cs typeface="Times" charset="0"/>
+                <a:sym typeface="Arial"/>
+              </a:rPr>
+              <a:t>accelerated</a:t>
+            </a:r>
+            <a:r>
+              <a:rPr lang="zh-CN" altLang="en-US" sz="2800" b="0" i="0" u="none" dirty="0" smtClean="0">
+                <a:solidFill>
+                  <a:schemeClr val="dk1"/>
+                </a:solidFill>
+                <a:latin typeface="Times" charset="0"/>
+                <a:ea typeface="Times" charset="0"/>
+                <a:cs typeface="Times" charset="0"/>
+                <a:sym typeface="Arial"/>
+              </a:rPr>
+              <a:t> </a:t>
+            </a:r>
+            <a:r>
+              <a:rPr lang="en-US" altLang="zh-CN" sz="2800" b="0" i="0" u="none" dirty="0" smtClean="0">
+                <a:solidFill>
+                  <a:schemeClr val="dk1"/>
+                </a:solidFill>
+                <a:latin typeface="Times" charset="0"/>
+                <a:ea typeface="Times" charset="0"/>
+                <a:cs typeface="Times" charset="0"/>
+                <a:sym typeface="Arial"/>
+              </a:rPr>
+              <a:t>gradient</a:t>
+            </a:r>
+            <a:r>
+              <a:rPr lang="zh-CN" altLang="en-US" sz="2800" b="0" i="0" u="none" dirty="0" smtClean="0">
+                <a:solidFill>
+                  <a:schemeClr val="dk1"/>
+                </a:solidFill>
+                <a:latin typeface="Times" charset="0"/>
+                <a:ea typeface="Times" charset="0"/>
+                <a:cs typeface="Times" charset="0"/>
+                <a:sym typeface="Arial"/>
+              </a:rPr>
+              <a:t> </a:t>
+            </a:r>
+            <a:r>
+              <a:rPr lang="en-US" altLang="zh-CN" sz="2800" b="0" i="0" u="none" dirty="0" smtClean="0">
+                <a:solidFill>
+                  <a:schemeClr val="dk1"/>
+                </a:solidFill>
+                <a:latin typeface="Times" charset="0"/>
+                <a:ea typeface="Times" charset="0"/>
+                <a:cs typeface="Times" charset="0"/>
+                <a:sym typeface="Arial"/>
+              </a:rPr>
+              <a:t>descent.</a:t>
+            </a:r>
+          </a:p>
+          <a:p>
+            <a:pPr marL="0" marR="0" lvl="0" indent="0" algn="just" rtl="0">
+              <a:lnSpc>
+                <a:spcPct val="100000"/>
+              </a:lnSpc>
+              <a:spcBef>
+                <a:spcPts val="0"/>
+              </a:spcBef>
+              <a:spcAft>
+                <a:spcPts val="0"/>
+              </a:spcAft>
+              <a:buClr>
+                <a:schemeClr val="dk1"/>
+              </a:buClr>
+              <a:buFont typeface="Arial"/>
+              <a:buNone/>
+            </a:pPr>
+            <a:r>
+              <a:rPr lang="en-US" altLang="zh-CN" sz="2800" dirty="0" smtClean="0">
+                <a:solidFill>
+                  <a:schemeClr val="dk1"/>
+                </a:solidFill>
+                <a:latin typeface="Times" charset="0"/>
+                <a:ea typeface="Times" charset="0"/>
+                <a:cs typeface="Times" charset="0"/>
+              </a:rPr>
+              <a:t>3.</a:t>
+            </a:r>
+            <a:r>
+              <a:rPr lang="zh-CN" altLang="en-US" sz="2800" dirty="0" smtClean="0">
+                <a:solidFill>
+                  <a:schemeClr val="dk1"/>
+                </a:solidFill>
+                <a:latin typeface="Times" charset="0"/>
+                <a:ea typeface="Times" charset="0"/>
+                <a:cs typeface="Times" charset="0"/>
+              </a:rPr>
+              <a:t> </a:t>
+            </a:r>
+            <a:r>
+              <a:rPr lang="en-US" altLang="zh-CN" sz="2800" dirty="0" smtClean="0">
+                <a:solidFill>
+                  <a:schemeClr val="dk1"/>
+                </a:solidFill>
+                <a:latin typeface="Times" charset="0"/>
+                <a:ea typeface="Times" charset="0"/>
+                <a:cs typeface="Times" charset="0"/>
+              </a:rPr>
+              <a:t>Learning</a:t>
+            </a:r>
+            <a:r>
+              <a:rPr lang="zh-CN" altLang="en-US" sz="2800" dirty="0" smtClean="0">
+                <a:solidFill>
+                  <a:schemeClr val="dk1"/>
+                </a:solidFill>
+                <a:latin typeface="Times" charset="0"/>
+                <a:ea typeface="Times" charset="0"/>
+                <a:cs typeface="Times" charset="0"/>
+              </a:rPr>
+              <a:t> </a:t>
+            </a:r>
+            <a:r>
+              <a:rPr lang="en-US" altLang="zh-CN" sz="2800" dirty="0" smtClean="0">
+                <a:solidFill>
+                  <a:schemeClr val="dk1"/>
+                </a:solidFill>
+                <a:latin typeface="Times" charset="0"/>
+                <a:ea typeface="Times" charset="0"/>
+                <a:cs typeface="Times" charset="0"/>
+              </a:rPr>
+              <a:t>rate</a:t>
+            </a:r>
+            <a:r>
+              <a:rPr lang="zh-CN" altLang="en-US" sz="2800" dirty="0" smtClean="0">
+                <a:solidFill>
+                  <a:schemeClr val="dk1"/>
+                </a:solidFill>
+                <a:latin typeface="Times" charset="0"/>
+                <a:ea typeface="Times" charset="0"/>
+                <a:cs typeface="Times" charset="0"/>
+              </a:rPr>
+              <a:t> </a:t>
+            </a:r>
+            <a:r>
+              <a:rPr lang="en-US" altLang="zh-CN" sz="2800" dirty="0" smtClean="0">
+                <a:solidFill>
+                  <a:schemeClr val="dk1"/>
+                </a:solidFill>
+                <a:latin typeface="Times" charset="0"/>
+                <a:ea typeface="Times" charset="0"/>
+                <a:cs typeface="Times" charset="0"/>
+              </a:rPr>
+              <a:t>is</a:t>
+            </a:r>
+            <a:r>
+              <a:rPr lang="zh-CN" altLang="en-US" sz="2800" dirty="0" smtClean="0">
+                <a:solidFill>
+                  <a:schemeClr val="dk1"/>
+                </a:solidFill>
+                <a:latin typeface="Times" charset="0"/>
+                <a:ea typeface="Times" charset="0"/>
+                <a:cs typeface="Times" charset="0"/>
+              </a:rPr>
+              <a:t> </a:t>
+            </a:r>
+            <a:r>
+              <a:rPr lang="en-US" altLang="zh-CN" sz="2800" dirty="0" smtClean="0">
+                <a:solidFill>
+                  <a:schemeClr val="dk1"/>
+                </a:solidFill>
+                <a:latin typeface="Times" charset="0"/>
+                <a:ea typeface="Times" charset="0"/>
+                <a:cs typeface="Times" charset="0"/>
+              </a:rPr>
+              <a:t>still</a:t>
+            </a:r>
+            <a:r>
+              <a:rPr lang="zh-CN" altLang="en-US" sz="2800" dirty="0" smtClean="0">
+                <a:solidFill>
+                  <a:schemeClr val="dk1"/>
+                </a:solidFill>
+                <a:latin typeface="Times" charset="0"/>
+                <a:ea typeface="Times" charset="0"/>
+                <a:cs typeface="Times" charset="0"/>
+              </a:rPr>
+              <a:t> </a:t>
+            </a:r>
+            <a:r>
+              <a:rPr lang="en-US" altLang="zh-CN" sz="2800" dirty="0" smtClean="0">
+                <a:solidFill>
+                  <a:schemeClr val="dk1"/>
+                </a:solidFill>
+                <a:latin typeface="Times" charset="0"/>
+                <a:ea typeface="Times" charset="0"/>
+                <a:cs typeface="Times" charset="0"/>
+              </a:rPr>
+              <a:t>the</a:t>
+            </a:r>
+            <a:r>
+              <a:rPr lang="zh-CN" altLang="en-US" sz="2800" dirty="0" smtClean="0">
+                <a:solidFill>
+                  <a:schemeClr val="dk1"/>
+                </a:solidFill>
+                <a:latin typeface="Times" charset="0"/>
+                <a:ea typeface="Times" charset="0"/>
+                <a:cs typeface="Times" charset="0"/>
+              </a:rPr>
+              <a:t> </a:t>
+            </a:r>
+            <a:r>
+              <a:rPr lang="en-US" altLang="zh-CN" sz="2800" dirty="0" smtClean="0">
+                <a:solidFill>
+                  <a:schemeClr val="dk1"/>
+                </a:solidFill>
+                <a:latin typeface="Times" charset="0"/>
+                <a:ea typeface="Times" charset="0"/>
+                <a:cs typeface="Times" charset="0"/>
+              </a:rPr>
+              <a:t>most</a:t>
+            </a:r>
+            <a:r>
+              <a:rPr lang="zh-CN" altLang="en-US" sz="2800" dirty="0" smtClean="0">
+                <a:solidFill>
+                  <a:schemeClr val="dk1"/>
+                </a:solidFill>
+                <a:latin typeface="Times" charset="0"/>
+                <a:ea typeface="Times" charset="0"/>
+                <a:cs typeface="Times" charset="0"/>
+              </a:rPr>
+              <a:t> </a:t>
+            </a:r>
+            <a:r>
+              <a:rPr lang="en-US" altLang="zh-CN" sz="2800" dirty="0" smtClean="0">
+                <a:solidFill>
+                  <a:schemeClr val="dk1"/>
+                </a:solidFill>
+                <a:latin typeface="Times" charset="0"/>
+                <a:ea typeface="Times" charset="0"/>
+                <a:cs typeface="Times" charset="0"/>
+              </a:rPr>
+              <a:t>crucial</a:t>
+            </a:r>
+            <a:r>
+              <a:rPr lang="zh-CN" altLang="en-US" sz="2800" dirty="0" smtClean="0">
+                <a:solidFill>
+                  <a:schemeClr val="dk1"/>
+                </a:solidFill>
+                <a:latin typeface="Times" charset="0"/>
+                <a:ea typeface="Times" charset="0"/>
+                <a:cs typeface="Times" charset="0"/>
+              </a:rPr>
+              <a:t> </a:t>
+            </a:r>
+            <a:r>
+              <a:rPr lang="en-US" altLang="zh-CN" sz="2800" dirty="0" err="1" smtClean="0">
+                <a:solidFill>
+                  <a:schemeClr val="dk1"/>
+                </a:solidFill>
+                <a:latin typeface="Times" charset="0"/>
+                <a:ea typeface="Times" charset="0"/>
+                <a:cs typeface="Times" charset="0"/>
+              </a:rPr>
+              <a:t>hyperparameter</a:t>
+            </a:r>
+            <a:r>
+              <a:rPr lang="zh-CN" altLang="en-US" sz="2800" dirty="0" smtClean="0">
+                <a:solidFill>
+                  <a:schemeClr val="dk1"/>
+                </a:solidFill>
+                <a:latin typeface="Times" charset="0"/>
+                <a:ea typeface="Times" charset="0"/>
+                <a:cs typeface="Times" charset="0"/>
+              </a:rPr>
+              <a:t> </a:t>
+            </a:r>
+            <a:r>
+              <a:rPr lang="en-US" altLang="zh-CN" sz="2800" dirty="0" smtClean="0">
+                <a:solidFill>
+                  <a:schemeClr val="dk1"/>
+                </a:solidFill>
+                <a:latin typeface="Times" charset="0"/>
+                <a:ea typeface="Times" charset="0"/>
+                <a:cs typeface="Times" charset="0"/>
+              </a:rPr>
+              <a:t>in</a:t>
+            </a:r>
+            <a:r>
+              <a:rPr lang="zh-CN" altLang="en-US" sz="2800" dirty="0" smtClean="0">
+                <a:solidFill>
+                  <a:schemeClr val="dk1"/>
+                </a:solidFill>
+                <a:latin typeface="Times" charset="0"/>
+                <a:ea typeface="Times" charset="0"/>
+                <a:cs typeface="Times" charset="0"/>
+              </a:rPr>
+              <a:t> </a:t>
+            </a:r>
+            <a:r>
+              <a:rPr lang="en-US" altLang="zh-CN" sz="2800" dirty="0" smtClean="0">
+                <a:solidFill>
+                  <a:schemeClr val="dk1"/>
+                </a:solidFill>
+                <a:latin typeface="Times" charset="0"/>
+                <a:ea typeface="Times" charset="0"/>
+                <a:cs typeface="Times" charset="0"/>
+              </a:rPr>
+              <a:t>iterative</a:t>
+            </a:r>
+            <a:r>
+              <a:rPr lang="zh-CN" altLang="en-US" sz="2800" dirty="0" smtClean="0">
+                <a:solidFill>
+                  <a:schemeClr val="dk1"/>
+                </a:solidFill>
+                <a:latin typeface="Times" charset="0"/>
+                <a:ea typeface="Times" charset="0"/>
+                <a:cs typeface="Times" charset="0"/>
+              </a:rPr>
+              <a:t> </a:t>
+            </a:r>
+            <a:r>
+              <a:rPr lang="en-US" altLang="zh-CN" sz="2800" dirty="0" smtClean="0">
+                <a:solidFill>
+                  <a:schemeClr val="dk1"/>
+                </a:solidFill>
+                <a:latin typeface="Times" charset="0"/>
+                <a:ea typeface="Times" charset="0"/>
+                <a:cs typeface="Times" charset="0"/>
+              </a:rPr>
+              <a:t>optimization</a:t>
+            </a:r>
+            <a:r>
+              <a:rPr lang="zh-CN" altLang="en-US" sz="2800" dirty="0" smtClean="0">
+                <a:solidFill>
+                  <a:schemeClr val="dk1"/>
+                </a:solidFill>
+                <a:latin typeface="Times" charset="0"/>
+                <a:ea typeface="Times" charset="0"/>
+                <a:cs typeface="Times" charset="0"/>
+              </a:rPr>
+              <a:t> </a:t>
+            </a:r>
+            <a:r>
+              <a:rPr lang="en-US" altLang="zh-CN" sz="2800" dirty="0" smtClean="0">
+                <a:solidFill>
+                  <a:schemeClr val="dk1"/>
+                </a:solidFill>
+                <a:latin typeface="Times" charset="0"/>
+                <a:ea typeface="Times" charset="0"/>
+                <a:cs typeface="Times" charset="0"/>
+              </a:rPr>
+              <a:t>algorithms.</a:t>
+            </a:r>
+            <a:endParaRPr lang="en-US" sz="2800" b="0" i="0" u="none" dirty="0">
+              <a:solidFill>
+                <a:schemeClr val="dk1"/>
+              </a:solidFill>
+              <a:latin typeface="Times" charset="0"/>
+              <a:ea typeface="Times" charset="0"/>
+              <a:cs typeface="Times" charset="0"/>
+              <a:sym typeface="Arial"/>
+            </a:endParaRPr>
+          </a:p>
+        </p:txBody>
+      </p:sp>
+      <p:sp>
+        <p:nvSpPr>
+          <p:cNvPr id="39" name="Shape 97"/>
+          <p:cNvSpPr txBox="1"/>
+          <p:nvPr/>
+        </p:nvSpPr>
+        <p:spPr>
+          <a:xfrm>
+            <a:off x="25323799" y="23353711"/>
+            <a:ext cx="10972800" cy="3294518"/>
+          </a:xfrm>
+          <a:prstGeom prst="rect">
+            <a:avLst/>
+          </a:prstGeom>
+          <a:noFill/>
+          <a:ln>
+            <a:noFill/>
+          </a:ln>
+        </p:spPr>
+        <p:txBody>
+          <a:bodyPr wrap="square" lIns="91425" tIns="45700" rIns="91425" bIns="45700" anchor="t" anchorCtr="0">
+            <a:noAutofit/>
+          </a:bodyPr>
+          <a:lstStyle/>
+          <a:p>
+            <a:r>
+              <a:rPr lang="en-US" sz="2800" dirty="0">
+                <a:latin typeface="Times" charset="0"/>
+                <a:ea typeface="Times" charset="0"/>
+                <a:cs typeface="Times" charset="0"/>
+              </a:rPr>
+              <a:t>[1]  Mu Li, Li Zhou, </a:t>
+            </a:r>
+            <a:r>
+              <a:rPr lang="en-US" sz="2800" dirty="0" err="1">
+                <a:latin typeface="Times" charset="0"/>
+                <a:ea typeface="Times" charset="0"/>
+                <a:cs typeface="Times" charset="0"/>
+              </a:rPr>
+              <a:t>Zichao</a:t>
+            </a:r>
+            <a:r>
+              <a:rPr lang="en-US" sz="2800" dirty="0">
+                <a:latin typeface="Times" charset="0"/>
+                <a:ea typeface="Times" charset="0"/>
+                <a:cs typeface="Times" charset="0"/>
+              </a:rPr>
+              <a:t> Yang, Aaron Li, </a:t>
+            </a:r>
+            <a:r>
+              <a:rPr lang="en-US" sz="2800" dirty="0" err="1">
+                <a:latin typeface="Times" charset="0"/>
+                <a:ea typeface="Times" charset="0"/>
+                <a:cs typeface="Times" charset="0"/>
+              </a:rPr>
+              <a:t>Fei</a:t>
+            </a:r>
+            <a:r>
+              <a:rPr lang="en-US" sz="2800" dirty="0">
+                <a:latin typeface="Times" charset="0"/>
+                <a:ea typeface="Times" charset="0"/>
+                <a:cs typeface="Times" charset="0"/>
+              </a:rPr>
+              <a:t> Xia, David G Andersen, and Alexander </a:t>
+            </a:r>
+            <a:r>
+              <a:rPr lang="en-US" sz="2800" dirty="0" err="1">
+                <a:latin typeface="Times" charset="0"/>
+                <a:ea typeface="Times" charset="0"/>
+                <a:cs typeface="Times" charset="0"/>
+              </a:rPr>
+              <a:t>Smola</a:t>
+            </a:r>
+            <a:r>
+              <a:rPr lang="en-US" sz="2800" dirty="0">
+                <a:latin typeface="Times" charset="0"/>
+                <a:ea typeface="Times" charset="0"/>
+                <a:cs typeface="Times" charset="0"/>
+              </a:rPr>
+              <a:t>. Parameter server for distributed machine learning. In </a:t>
+            </a:r>
+            <a:r>
+              <a:rPr lang="en-US" sz="2800" i="1" dirty="0">
+                <a:latin typeface="Times" charset="0"/>
+                <a:ea typeface="Times" charset="0"/>
+                <a:cs typeface="Times" charset="0"/>
+              </a:rPr>
+              <a:t>Big Learning NIPS Workshop</a:t>
+            </a:r>
+            <a:r>
+              <a:rPr lang="en-US" sz="2800" dirty="0">
+                <a:latin typeface="Times" charset="0"/>
+                <a:ea typeface="Times" charset="0"/>
+                <a:cs typeface="Times" charset="0"/>
+              </a:rPr>
+              <a:t>, volume 6, page 2, 2013. </a:t>
+            </a:r>
+            <a:endParaRPr lang="en-US" sz="2800" dirty="0">
+              <a:latin typeface="Times" charset="0"/>
+              <a:ea typeface="Times" charset="0"/>
+              <a:cs typeface="Times" charset="0"/>
+            </a:endParaRPr>
+          </a:p>
+          <a:p>
+            <a:r>
+              <a:rPr lang="en-US" sz="2800" dirty="0">
+                <a:latin typeface="Times" charset="0"/>
+                <a:ea typeface="Times" charset="0"/>
+                <a:cs typeface="Times" charset="0"/>
+              </a:rPr>
+              <a:t>[2]  Mu Li, David G Andersen, Jun Woo Park, Alexander J </a:t>
+            </a:r>
+            <a:r>
+              <a:rPr lang="en-US" sz="2800" dirty="0" err="1">
+                <a:latin typeface="Times" charset="0"/>
+                <a:ea typeface="Times" charset="0"/>
+                <a:cs typeface="Times" charset="0"/>
+              </a:rPr>
+              <a:t>Smola</a:t>
+            </a:r>
+            <a:r>
+              <a:rPr lang="en-US" sz="2800" dirty="0">
+                <a:latin typeface="Times" charset="0"/>
+                <a:ea typeface="Times" charset="0"/>
+                <a:cs typeface="Times" charset="0"/>
+              </a:rPr>
+              <a:t>, Amr Ahmed, </a:t>
+            </a:r>
+            <a:r>
+              <a:rPr lang="en-US" sz="2800" dirty="0" err="1">
+                <a:latin typeface="Times" charset="0"/>
+                <a:ea typeface="Times" charset="0"/>
+                <a:cs typeface="Times" charset="0"/>
+              </a:rPr>
+              <a:t>Vanja</a:t>
+            </a:r>
+            <a:r>
+              <a:rPr lang="en-US" sz="2800" dirty="0">
+                <a:latin typeface="Times" charset="0"/>
+                <a:ea typeface="Times" charset="0"/>
+                <a:cs typeface="Times" charset="0"/>
+              </a:rPr>
+              <a:t> </a:t>
+            </a:r>
+            <a:r>
+              <a:rPr lang="en-US" sz="2800" dirty="0" err="1">
+                <a:latin typeface="Times" charset="0"/>
+                <a:ea typeface="Times" charset="0"/>
+                <a:cs typeface="Times" charset="0"/>
+              </a:rPr>
+              <a:t>Josifovski</a:t>
+            </a:r>
+            <a:r>
+              <a:rPr lang="en-US" sz="2800" dirty="0">
+                <a:latin typeface="Times" charset="0"/>
+                <a:ea typeface="Times" charset="0"/>
+                <a:cs typeface="Times" charset="0"/>
+              </a:rPr>
+              <a:t>, James Long, Eugene J </a:t>
+            </a:r>
+            <a:r>
+              <a:rPr lang="en-US" sz="2800" dirty="0" err="1">
+                <a:latin typeface="Times" charset="0"/>
+                <a:ea typeface="Times" charset="0"/>
+                <a:cs typeface="Times" charset="0"/>
+              </a:rPr>
+              <a:t>Shekita</a:t>
+            </a:r>
+            <a:r>
+              <a:rPr lang="en-US" sz="2800" dirty="0">
+                <a:latin typeface="Times" charset="0"/>
+                <a:ea typeface="Times" charset="0"/>
+                <a:cs typeface="Times" charset="0"/>
+              </a:rPr>
+              <a:t>, and </a:t>
+            </a:r>
+            <a:r>
+              <a:rPr lang="en-US" sz="2800" dirty="0" err="1">
+                <a:latin typeface="Times" charset="0"/>
+                <a:ea typeface="Times" charset="0"/>
+                <a:cs typeface="Times" charset="0"/>
+              </a:rPr>
+              <a:t>Bor-Yiing</a:t>
+            </a:r>
+            <a:r>
+              <a:rPr lang="en-US" sz="2800" dirty="0">
+                <a:latin typeface="Times" charset="0"/>
+                <a:ea typeface="Times" charset="0"/>
+                <a:cs typeface="Times" charset="0"/>
+              </a:rPr>
+              <a:t> Su. Scaling distributed machine learning with the parameter server. In </a:t>
+            </a:r>
+            <a:r>
+              <a:rPr lang="en-US" sz="2800" i="1" dirty="0">
+                <a:latin typeface="Times" charset="0"/>
+                <a:ea typeface="Times" charset="0"/>
+                <a:cs typeface="Times" charset="0"/>
+              </a:rPr>
+              <a:t>OSDI</a:t>
+            </a:r>
+            <a:r>
+              <a:rPr lang="en-US" sz="2800" dirty="0">
+                <a:latin typeface="Times" charset="0"/>
+                <a:ea typeface="Times" charset="0"/>
+                <a:cs typeface="Times" charset="0"/>
+              </a:rPr>
+              <a:t>, volume 1, page 3, 2014. </a:t>
+            </a:r>
+            <a:endParaRPr lang="en-US" sz="2800" dirty="0">
+              <a:effectLst/>
+              <a:latin typeface="Times" charset="0"/>
+              <a:ea typeface="Times" charset="0"/>
+              <a:cs typeface="Times" charset="0"/>
+            </a:endParaRPr>
+          </a:p>
+        </p:txBody>
+      </p:sp>
     </p:spTree>
   </p:cSld>
   <p:clrMapOvr>

--- a/poster/725proj.pptx
+++ b/poster/725proj.pptx
@@ -16568,7 +16568,7 @@
         </p:nvSpPr>
         <p:spPr>
           <a:xfrm>
-            <a:off x="25302311" y="22414384"/>
+            <a:off x="25302311" y="22545013"/>
             <a:ext cx="10936287" cy="584200"/>
           </a:xfrm>
           <a:prstGeom prst="rect">
@@ -20507,7 +20507,7 @@
         </p:nvSpPr>
         <p:spPr>
           <a:xfrm>
-            <a:off x="25323799" y="23353711"/>
+            <a:off x="25323799" y="23484340"/>
             <a:ext cx="10972800" cy="3294518"/>
           </a:xfrm>
           <a:prstGeom prst="rect">
@@ -20596,11 +20596,6 @@
               </a:rPr>
               <a:t>, volume 6, page 2, 2013. </a:t>
             </a:r>
-            <a:endParaRPr lang="en-US" sz="2800" dirty="0">
-              <a:latin typeface="Times" charset="0"/>
-              <a:ea typeface="Times" charset="0"/>
-              <a:cs typeface="Times" charset="0"/>
-            </a:endParaRPr>
           </a:p>
           <a:p>
             <a:r>

--- a/poster/725proj.pptx
+++ b/poster/725proj.pptx
@@ -14008,7 +14008,7 @@
         </p:nvSpPr>
         <p:spPr>
           <a:xfrm>
-            <a:off x="4398962" y="457200"/>
+            <a:off x="4480518" y="563702"/>
             <a:ext cx="27778075" cy="3800475"/>
           </a:xfrm>
           <a:prstGeom prst="rect">
@@ -14221,7 +14221,48 @@
               </a:rPr>
               <a:t>Server</a:t>
             </a:r>
-            <a:endParaRPr lang="en-US" sz="6000" b="1" i="0" u="none" dirty="0">
+          </a:p>
+          <a:p>
+            <a:pPr marL="0" marR="0" lvl="0" indent="0" algn="ctr" rtl="0">
+              <a:lnSpc>
+                <a:spcPct val="100000"/>
+              </a:lnSpc>
+              <a:spcBef>
+                <a:spcPts val="0"/>
+              </a:spcBef>
+              <a:spcAft>
+                <a:spcPts val="0"/>
+              </a:spcAft>
+              <a:buClr>
+                <a:srgbClr val="A50021"/>
+              </a:buClr>
+              <a:buFont typeface="Arial"/>
+              <a:buNone/>
+            </a:pPr>
+            <a:endParaRPr lang="en-US" sz="1200" b="1" dirty="0">
+              <a:solidFill>
+                <a:srgbClr val="A50021"/>
+              </a:solidFill>
+            </a:endParaRPr>
+          </a:p>
+          <a:p>
+            <a:pPr marL="0" marR="0" lvl="0" indent="0" algn="ctr" rtl="0">
+              <a:lnSpc>
+                <a:spcPct val="100000"/>
+              </a:lnSpc>
+              <a:spcBef>
+                <a:spcPts val="0"/>
+              </a:spcBef>
+              <a:spcAft>
+                <a:spcPts val="0"/>
+              </a:spcAft>
+              <a:buClr>
+                <a:srgbClr val="A50021"/>
+              </a:buClr>
+              <a:buFont typeface="Arial"/>
+              <a:buNone/>
+            </a:pPr>
+            <a:endParaRPr lang="en-US" sz="1200" b="1" i="0" u="none" dirty="0">
               <a:solidFill>
                 <a:srgbClr val="A50021"/>
               </a:solidFill>
@@ -14360,7 +14401,7 @@
               <a:buNone/>
             </a:pPr>
             <a:r>
-              <a:rPr lang="en-US" sz="3600" b="1" i="1" u="none" baseline="30000" dirty="0">
+              <a:rPr lang="en-US" sz="3600" b="1" i="1" u="none" dirty="0" smtClean="0">
                 <a:solidFill>
                   <a:schemeClr val="dk1"/>
                 </a:solidFill>
@@ -14369,7 +14410,7 @@
                 <a:cs typeface="Arial"/>
                 <a:sym typeface="Arial"/>
               </a:rPr>
-              <a:t>1</a:t>
+              <a:t>Department </a:t>
             </a:r>
             <a:r>
               <a:rPr lang="en-US" sz="3600" b="1" i="1" u="none" dirty="0">
@@ -14381,7 +14422,7 @@
                 <a:cs typeface="Arial"/>
                 <a:sym typeface="Arial"/>
               </a:rPr>
-              <a:t>Department of Computer </a:t>
+              <a:t>of Computer </a:t>
             </a:r>
             <a:r>
               <a:rPr lang="en-US" sz="3600" b="1" i="1" u="none" dirty="0" smtClean="0">
@@ -15209,29 +15250,7 @@
                 <a:ea typeface="Times" charset="0"/>
                 <a:cs typeface="Times" charset="0"/>
               </a:rPr>
-              <a:t>the</a:t>
-            </a:r>
-            <a:r>
-              <a:rPr lang="zh-CN" altLang="en-US" sz="2800" dirty="0" smtClean="0">
-                <a:solidFill>
-                  <a:schemeClr val="dk1"/>
-                </a:solidFill>
-                <a:latin typeface="Times" charset="0"/>
-                <a:ea typeface="Times" charset="0"/>
-                <a:cs typeface="Times" charset="0"/>
-              </a:rPr>
-              <a:t> </a:t>
-            </a:r>
-            <a:r>
-              <a:rPr lang="en-US" altLang="zh-CN" sz="2800" dirty="0" smtClean="0">
-                <a:solidFill>
-                  <a:schemeClr val="dk1"/>
-                </a:solidFill>
-                <a:latin typeface="Times" charset="0"/>
-                <a:ea typeface="Times" charset="0"/>
-                <a:cs typeface="Times" charset="0"/>
-              </a:rPr>
-              <a:t>staleness</a:t>
+              <a:t>parameter staleness</a:t>
             </a:r>
             <a:r>
               <a:rPr lang="zh-CN" altLang="en-US" sz="2800" dirty="0" smtClean="0">
@@ -16427,7 +16446,7 @@
         </p:nvSpPr>
         <p:spPr>
           <a:xfrm>
-            <a:off x="1473466" y="15218238"/>
+            <a:off x="1473466" y="15348867"/>
             <a:ext cx="9830417" cy="561666"/>
           </a:xfrm>
           <a:prstGeom prst="rect">
@@ -16694,13 +16713,37 @@
                 <a:cs typeface="Times" charset="0"/>
                 <a:sym typeface="Arial"/>
               </a:rPr>
-              <a:t> large scale machine learning and optimization problems, such as efficient communication, flexible consistency models, scalability and fault tolerance. The framework is motivated by the observation that most problems have parameters in the form of vectors/matrices/tensors, and each worker node need access only part of the parameters. Shared parameters are stored in the server group, and the schedulers assigns tasks to each worker. Workers will do computation locally, mostly gradient-related calculations, and push the computation results to servers, and then pull the parameters from server to start the next iteration of computation. Server groups aggregate updates from workers and answer the pull requests from workers with the aggregated parameters. A sample usage of parameter server is listed as below.</a:t>
+              <a:t> large scale machine learning and optimization problems, such as efficient communication, flexible consistency models, scalability and fault tolerance. The framework is motivated by the observation that most problems have parameters in the form of vectors/matrices/tensors, and each worker node need access only part of the parameters. Shared parameters are stored in the server group, and the schedulers </a:t>
+            </a:r>
+            <a:r>
+              <a:rPr lang="en-US" sz="2800" b="0" i="0" u="none" dirty="0" smtClean="0">
+                <a:solidFill>
+                  <a:schemeClr val="dk1"/>
+                </a:solidFill>
+                <a:latin typeface="Times" charset="0"/>
+                <a:ea typeface="Times" charset="0"/>
+                <a:cs typeface="Times" charset="0"/>
+                <a:sym typeface="Arial"/>
+              </a:rPr>
+              <a:t>assign </a:t>
+            </a:r>
+            <a:r>
+              <a:rPr lang="en-US" sz="2800" b="0" i="0" u="none" dirty="0" smtClean="0">
+                <a:solidFill>
+                  <a:schemeClr val="dk1"/>
+                </a:solidFill>
+                <a:latin typeface="Times" charset="0"/>
+                <a:ea typeface="Times" charset="0"/>
+                <a:cs typeface="Times" charset="0"/>
+                <a:sym typeface="Arial"/>
+              </a:rPr>
+              <a:t>tasks to each worker. Workers will do computation locally, mostly gradient-related calculations, and push the computation results to servers, and then pull the parameters from server to start the next iteration of computation. Server groups aggregate updates from workers and answer the pull requests from workers with the aggregated parameters. A sample usage of parameter server is listed as below.</a:t>
             </a:r>
           </a:p>
         </p:txBody>
       </p:sp>
-      <mc:AlternateContent xmlns:mc="http://schemas.openxmlformats.org/markup-compatibility/2006" xmlns:a14="http://schemas.microsoft.com/office/drawing/2010/main">
-        <mc:Choice Requires="a14">
+      <mc:AlternateContent xmlns:mc="http://schemas.openxmlformats.org/markup-compatibility/2006">
+        <mc:Choice xmlns:a14="http://schemas.microsoft.com/office/drawing/2010/main" Requires="a14">
           <p:sp>
             <p:nvSpPr>
               <p:cNvPr id="17" name="Shape 97"/>
@@ -16709,7 +16752,7 @@
             </p:nvSpPr>
             <p:spPr>
               <a:xfrm>
-                <a:off x="1104900" y="22257656"/>
+                <a:off x="1104900" y="22002476"/>
                 <a:ext cx="9867900" cy="4902200"/>
               </a:xfrm>
               <a:prstGeom prst="rect">
@@ -16736,7 +16779,7 @@
                 </a:r>
               </a:p>
               <a:p>
-                <a:endParaRPr lang="en-US" sz="2800" i="1" u="sng" dirty="0" smtClean="0">
+                <a:endParaRPr lang="en-US" i="1" u="sng" dirty="0" smtClean="0">
                   <a:latin typeface="Times" charset="0"/>
                   <a:ea typeface="Times" charset="0"/>
                   <a:cs typeface="Times" charset="0"/>
@@ -17124,7 +17167,14 @@
                   </a:rPr>
                   <a:t> from servers </a:t>
                 </a:r>
-                <a:endParaRPr lang="en-US" sz="2800" dirty="0">
+                <a:endParaRPr lang="en-US" sz="2800" dirty="0" smtClean="0">
+                  <a:latin typeface="Times" charset="0"/>
+                  <a:ea typeface="Times" charset="0"/>
+                  <a:cs typeface="Times" charset="0"/>
+                </a:endParaRPr>
+              </a:p>
+              <a:p>
+                <a:endParaRPr lang="en-US" sz="1000" dirty="0">
                   <a:latin typeface="Times" charset="0"/>
                   <a:ea typeface="Times" charset="0"/>
                   <a:cs typeface="Times" charset="0"/>
@@ -17696,7 +17746,7 @@
             </p:txBody>
           </p:sp>
         </mc:Choice>
-        <mc:Fallback xmlns="">
+        <mc:Fallback>
           <p:sp>
             <p:nvSpPr>
               <p:cNvPr id="17" name="Shape 97"/>
@@ -17707,7 +17757,7 @@
             </p:nvSpPr>
             <p:spPr>
               <a:xfrm>
-                <a:off x="1104900" y="22257656"/>
+                <a:off x="1104900" y="22002476"/>
                 <a:ext cx="9867900" cy="4902200"/>
               </a:xfrm>
               <a:prstGeom prst="rect">
@@ -18483,7 +18533,18 @@
                 <a:ea typeface="Times" charset="0"/>
                 <a:cs typeface="Times" charset="0"/>
               </a:rPr>
-              <a:t>with lasso</a:t>
+              <a:t>with </a:t>
+            </a:r>
+            <a:r>
+              <a:rPr lang="en-US" sz="2800" dirty="0" smtClean="0">
+                <a:solidFill>
+                  <a:schemeClr val="dk1"/>
+                </a:solidFill>
+                <a:latin typeface="Times" charset="0"/>
+                <a:ea typeface="Times" charset="0"/>
+                <a:cs typeface="Times" charset="0"/>
+              </a:rPr>
+              <a:t>regularization</a:t>
             </a:r>
             <a:r>
               <a:rPr lang="en-US" sz="2800" b="0" i="0" u="none" dirty="0" smtClean="0">
@@ -18495,7 +18556,19 @@
                 <a:cs typeface="Times" charset="0"/>
                 <a:sym typeface="Arial"/>
               </a:rPr>
-              <a:t>, logistic regression and support vector machine.</a:t>
+              <a:t>, </a:t>
+            </a:r>
+            <a:r>
+              <a:rPr lang="en-US" sz="2800" b="0" i="0" u="none" dirty="0" smtClean="0">
+                <a:solidFill>
+                  <a:schemeClr val="dk1"/>
+                </a:solidFill>
+                <a:latin typeface="Times" charset="0"/>
+                <a:ea typeface="Times" charset="0"/>
+                <a:cs typeface="Times" charset="0"/>
+                <a:sym typeface="Arial"/>
+              </a:rPr>
+              <a:t>logistic regression and support vector machine.</a:t>
             </a:r>
           </a:p>
           <a:p>
@@ -18608,7 +18681,29 @@
                 <a:ea typeface="Times" charset="0"/>
                 <a:cs typeface="Times" charset="0"/>
               </a:rPr>
-              <a:t>Method 1: We implemented a life-version of parameter server and run our code with it.</a:t>
+              <a:t>Method 1: We implemented a </a:t>
+            </a:r>
+            <a:r>
+              <a:rPr lang="en-US" sz="2800" dirty="0" smtClean="0">
+                <a:solidFill>
+                  <a:schemeClr val="dk1"/>
+                </a:solidFill>
+                <a:latin typeface="Times" charset="0"/>
+                <a:ea typeface="Times" charset="0"/>
+                <a:cs typeface="Times" charset="0"/>
+              </a:rPr>
+              <a:t>lite-version </a:t>
+            </a:r>
+            <a:r>
+              <a:rPr lang="en-US" sz="2800" dirty="0" smtClean="0">
+                <a:solidFill>
+                  <a:schemeClr val="dk1"/>
+                </a:solidFill>
+                <a:latin typeface="Times" charset="0"/>
+                <a:ea typeface="Times" charset="0"/>
+                <a:cs typeface="Times" charset="0"/>
+              </a:rPr>
+              <a:t>of parameter server and run our code with it.</a:t>
             </a:r>
           </a:p>
           <a:p>
@@ -18626,7 +18721,29 @@
                 <a:ea typeface="Times" charset="0"/>
                 <a:cs typeface="Times" charset="0"/>
               </a:rPr>
-              <a:t>Method 2: Simulation. We observe that on the server side, every event is processed sequentially, and those events are push/pull requests from workers. We write a sequence generator that obeys the staleness requirement and write programs to process those requests as per problem.</a:t>
+              <a:t>Method 2: Simulation. We observe that on the server side, every event is processed </a:t>
+            </a:r>
+            <a:r>
+              <a:rPr lang="en-US" sz="2800" dirty="0" smtClean="0">
+                <a:solidFill>
+                  <a:schemeClr val="dk1"/>
+                </a:solidFill>
+                <a:latin typeface="Times" charset="0"/>
+                <a:ea typeface="Times" charset="0"/>
+                <a:cs typeface="Times" charset="0"/>
+              </a:rPr>
+              <a:t>sequentially </a:t>
+            </a:r>
+            <a:r>
+              <a:rPr lang="en-US" sz="2800" dirty="0" smtClean="0">
+                <a:solidFill>
+                  <a:schemeClr val="dk1"/>
+                </a:solidFill>
+                <a:latin typeface="Times" charset="0"/>
+                <a:ea typeface="Times" charset="0"/>
+                <a:cs typeface="Times" charset="0"/>
+              </a:rPr>
+              <a:t>and those events are push/pull requests from workers. We write a sequence generator that obeys the staleness requirement and write programs to process those requests as per problem.</a:t>
             </a:r>
           </a:p>
           <a:p>
@@ -18987,7 +19104,7 @@
         </p:blipFill>
         <p:spPr>
           <a:xfrm>
-            <a:off x="31763495" y="317439"/>
+            <a:off x="31665524" y="317439"/>
             <a:ext cx="3522662" cy="3498282"/>
           </a:xfrm>
           <a:prstGeom prst="rect">
@@ -19004,7 +19121,7 @@
         <p:spPr>
           <a:xfrm>
             <a:off x="25305543" y="18356102"/>
-            <a:ext cx="10972800" cy="3565236"/>
+            <a:ext cx="10972800" cy="3992422"/>
           </a:xfrm>
           <a:prstGeom prst="rect">
             <a:avLst/>
@@ -19356,7 +19473,7 @@
                 <a:ea typeface="Times" charset="0"/>
                 <a:cs typeface="Times" charset="0"/>
               </a:rPr>
-              <a:t>adversely</a:t>
+              <a:t>have an adverse affect</a:t>
             </a:r>
             <a:r>
               <a:rPr lang="zh-CN" altLang="en-US" sz="2800" dirty="0" smtClean="0">
@@ -19378,7 +19495,7 @@
                 <a:ea typeface="Times" charset="0"/>
                 <a:cs typeface="Times" charset="0"/>
               </a:rPr>
-              <a:t>affect</a:t>
+              <a:t>convergence.</a:t>
             </a:r>
             <a:r>
               <a:rPr lang="zh-CN" altLang="en-US" sz="2800" dirty="0" smtClean="0">
@@ -19400,7 +19517,7 @@
                 <a:ea typeface="Times" charset="0"/>
                 <a:cs typeface="Times" charset="0"/>
               </a:rPr>
-              <a:t>convergence.</a:t>
+              <a:t>In</a:t>
             </a:r>
             <a:r>
               <a:rPr lang="zh-CN" altLang="en-US" sz="2800" dirty="0" smtClean="0">
@@ -19422,7 +19539,7 @@
                 <a:ea typeface="Times" charset="0"/>
                 <a:cs typeface="Times" charset="0"/>
               </a:rPr>
-              <a:t>In</a:t>
+              <a:t>most</a:t>
             </a:r>
             <a:r>
               <a:rPr lang="zh-CN" altLang="en-US" sz="2800" dirty="0" smtClean="0">
@@ -19444,18 +19561,7 @@
                 <a:ea typeface="Times" charset="0"/>
                 <a:cs typeface="Times" charset="0"/>
               </a:rPr>
-              <a:t>most</a:t>
-            </a:r>
-            <a:r>
-              <a:rPr lang="zh-CN" altLang="en-US" sz="2800" dirty="0" smtClean="0">
-                <a:solidFill>
-                  <a:schemeClr val="dk1"/>
-                </a:solidFill>
-                <a:latin typeface="Times" charset="0"/>
-                <a:ea typeface="Times" charset="0"/>
-                <a:cs typeface="Times" charset="0"/>
-              </a:rPr>
-              <a:t> </a:t>
+              <a:t>cases</a:t>
             </a:r>
             <a:r>
               <a:rPr lang="en-US" altLang="zh-CN" sz="2800" dirty="0" smtClean="0">
@@ -19466,29 +19572,7 @@
                 <a:ea typeface="Times" charset="0"/>
                 <a:cs typeface="Times" charset="0"/>
               </a:rPr>
-              <a:t>ideal</a:t>
-            </a:r>
-            <a:r>
-              <a:rPr lang="zh-CN" altLang="en-US" sz="2800" dirty="0" smtClean="0">
-                <a:solidFill>
-                  <a:schemeClr val="dk1"/>
-                </a:solidFill>
-                <a:latin typeface="Times" charset="0"/>
-                <a:ea typeface="Times" charset="0"/>
-                <a:cs typeface="Times" charset="0"/>
-              </a:rPr>
-              <a:t> </a:t>
-            </a:r>
-            <a:r>
-              <a:rPr lang="en-US" altLang="zh-CN" sz="2800" dirty="0" smtClean="0">
-                <a:solidFill>
-                  <a:schemeClr val="dk1"/>
-                </a:solidFill>
-                <a:latin typeface="Times" charset="0"/>
-                <a:ea typeface="Times" charset="0"/>
-                <a:cs typeface="Times" charset="0"/>
-              </a:rPr>
-              <a:t>cases,</a:t>
+              <a:t>,</a:t>
             </a:r>
             <a:r>
               <a:rPr lang="zh-CN" altLang="en-US" sz="2800" dirty="0" smtClean="0">
@@ -20389,15 +20473,15 @@
               <a:t> </a:t>
             </a:r>
             <a:r>
-              <a:rPr lang="en-US" altLang="zh-CN" sz="2800" dirty="0" err="1" smtClean="0">
-                <a:solidFill>
-                  <a:schemeClr val="dk1"/>
-                </a:solidFill>
-                <a:latin typeface="Times" charset="0"/>
-                <a:ea typeface="Times" charset="0"/>
-                <a:cs typeface="Times" charset="0"/>
-              </a:rPr>
-              <a:t>hyperparameter</a:t>
+              <a:rPr lang="en-US" altLang="zh-CN" sz="2800" dirty="0" smtClean="0">
+                <a:solidFill>
+                  <a:schemeClr val="dk1"/>
+                </a:solidFill>
+                <a:latin typeface="Times" charset="0"/>
+                <a:ea typeface="Times" charset="0"/>
+                <a:cs typeface="Times" charset="0"/>
+              </a:rPr>
+              <a:t>hyper-parameter</a:t>
             </a:r>
             <a:r>
               <a:rPr lang="zh-CN" altLang="en-US" sz="2800" dirty="0" smtClean="0">
@@ -20596,6 +20680,18 @@
               </a:rPr>
               <a:t>, volume 6, page 2, 2013. </a:t>
             </a:r>
+            <a:endParaRPr lang="en-US" sz="2800" dirty="0" smtClean="0">
+              <a:latin typeface="Times" charset="0"/>
+              <a:ea typeface="Times" charset="0"/>
+              <a:cs typeface="Times" charset="0"/>
+            </a:endParaRPr>
+          </a:p>
+          <a:p>
+            <a:endParaRPr lang="en-US" sz="1000" dirty="0">
+              <a:latin typeface="Times" charset="0"/>
+              <a:ea typeface="Times" charset="0"/>
+              <a:cs typeface="Times" charset="0"/>
+            </a:endParaRPr>
           </a:p>
           <a:p>
             <a:r>
